--- a/DATOS COVID Chile 2022 04 09.pptx
+++ b/DATOS COVID Chile 2022 04 09.pptx
@@ -5982,10 +5982,10 @@
       </p:sp>
       <p:pic>
         <p:nvPicPr>
-          <p:cNvPr id="3" name="Picture 2" descr="Chart, bar chart&#10;&#10;Description automatically generated">
-            <a:extLst>
-              <a:ext uri="{FF2B5EF4-FFF2-40B4-BE49-F238E27FC236}">
-                <a16:creationId xmlns:a16="http://schemas.microsoft.com/office/drawing/2014/main" id="{A40A444A-CC65-1640-915E-1FF1F6D1C3E2}"/>
+          <p:cNvPr id="8" name="Picture 7" descr="Chart, bar chart&#10;&#10;Description automatically generated">
+            <a:extLst>
+              <a:ext uri="{FF2B5EF4-FFF2-40B4-BE49-F238E27FC236}">
+                <a16:creationId xmlns:a16="http://schemas.microsoft.com/office/drawing/2014/main" id="{7BE2113B-262C-D24D-A083-F8600576BB2B}"/>
               </a:ext>
             </a:extLst>
           </p:cNvPr>
@@ -6002,8 +6002,8 @@
         </p:blipFill>
         <p:spPr>
           <a:xfrm>
-            <a:off x="783771" y="720097"/>
-            <a:ext cx="11146971" cy="5748203"/>
+            <a:off x="1053192" y="887283"/>
+            <a:ext cx="10085614" cy="5394150"/>
           </a:xfrm>
           <a:prstGeom prst="rect">
             <a:avLst/>

--- a/DATOS COVID Chile 2022 04 09.pptx
+++ b/DATOS COVID Chile 2022 04 09.pptx
@@ -5,30 +5,32 @@
     <p:sldMasterId id="2147483648" r:id="rId1"/>
   </p:sldMasterIdLst>
   <p:notesMasterIdLst>
-    <p:notesMasterId r:id="rId23"/>
+    <p:notesMasterId r:id="rId25"/>
   </p:notesMasterIdLst>
   <p:sldIdLst>
     <p:sldId id="266" r:id="rId2"/>
     <p:sldId id="276" r:id="rId3"/>
     <p:sldId id="381" r:id="rId4"/>
-    <p:sldId id="275" r:id="rId5"/>
-    <p:sldId id="380" r:id="rId6"/>
-    <p:sldId id="468" r:id="rId7"/>
-    <p:sldId id="277" r:id="rId8"/>
-    <p:sldId id="449" r:id="rId9"/>
-    <p:sldId id="469" r:id="rId10"/>
-    <p:sldId id="426" r:id="rId11"/>
-    <p:sldId id="280" r:id="rId12"/>
-    <p:sldId id="281" r:id="rId13"/>
-    <p:sldId id="417" r:id="rId14"/>
-    <p:sldId id="431" r:id="rId15"/>
-    <p:sldId id="438" r:id="rId16"/>
-    <p:sldId id="407" r:id="rId17"/>
-    <p:sldId id="288" r:id="rId18"/>
-    <p:sldId id="300" r:id="rId19"/>
-    <p:sldId id="451" r:id="rId20"/>
-    <p:sldId id="470" r:id="rId21"/>
-    <p:sldId id="424" r:id="rId22"/>
+    <p:sldId id="471" r:id="rId5"/>
+    <p:sldId id="275" r:id="rId6"/>
+    <p:sldId id="380" r:id="rId7"/>
+    <p:sldId id="468" r:id="rId8"/>
+    <p:sldId id="472" r:id="rId9"/>
+    <p:sldId id="277" r:id="rId10"/>
+    <p:sldId id="449" r:id="rId11"/>
+    <p:sldId id="469" r:id="rId12"/>
+    <p:sldId id="426" r:id="rId13"/>
+    <p:sldId id="280" r:id="rId14"/>
+    <p:sldId id="281" r:id="rId15"/>
+    <p:sldId id="417" r:id="rId16"/>
+    <p:sldId id="431" r:id="rId17"/>
+    <p:sldId id="438" r:id="rId18"/>
+    <p:sldId id="407" r:id="rId19"/>
+    <p:sldId id="288" r:id="rId20"/>
+    <p:sldId id="300" r:id="rId21"/>
+    <p:sldId id="451" r:id="rId22"/>
+    <p:sldId id="470" r:id="rId23"/>
+    <p:sldId id="424" r:id="rId24"/>
   </p:sldIdLst>
   <p:sldSz cx="12192000" cy="6858000"/>
   <p:notesSz cx="6858000" cy="9144000"/>
@@ -597,7 +599,7 @@
           <a:p>
             <a:fld id="{843DCC2D-BF8E-6546-A31C-967437B0E67F}" type="slidenum">
               <a:rPr lang="en-US" smtClean="0"/>
-              <a:t>5</a:t>
+              <a:t>6</a:t>
             </a:fld>
             <a:endParaRPr lang="en-US"/>
           </a:p>
@@ -729,7 +731,7 @@
           <a:p>
             <a:fld id="{843DCC2D-BF8E-6546-A31C-967437B0E67F}" type="slidenum">
               <a:rPr lang="en-US" smtClean="0"/>
-              <a:t>6</a:t>
+              <a:t>7</a:t>
             </a:fld>
             <a:endParaRPr lang="en-US"/>
           </a:p>
@@ -794,26 +796,19 @@
           <a:p>
             <a:r>
               <a:rPr lang="en-US" dirty="0"/>
-              <a:t>OMS</a:t>
-            </a:r>
-            <a:br>
-              <a:rPr lang="en-US" dirty="0"/>
-            </a:br>
-            <a:r>
-              <a:rPr lang="en-US" dirty="0"/>
-              <a:t>Baja </a:t>
+              <a:t>OMS: </a:t>
             </a:r>
             <a:r>
               <a:rPr lang="en-US" dirty="0" err="1"/>
-              <a:t>sostenida</a:t>
-            </a:r>
-            <a:r>
-              <a:rPr lang="en-US" dirty="0"/>
-              <a:t> (reducer a la </a:t>
+              <a:t>reducción</a:t>
+            </a:r>
+            <a:r>
+              <a:rPr lang="en-US" dirty="0"/>
+              <a:t> de </a:t>
             </a:r>
             <a:r>
               <a:rPr lang="en-US" dirty="0" err="1"/>
-              <a:t>mitad</a:t>
+              <a:t>fallecidmidos</a:t>
             </a:r>
             <a:r>
               <a:rPr lang="en-US" dirty="0"/>
@@ -821,7 +816,23 @@
             </a:r>
             <a:r>
               <a:rPr lang="en-US" dirty="0" err="1"/>
-              <a:t>en</a:t>
+              <a:t>confirmados</a:t>
+            </a:r>
+            <a:r>
+              <a:rPr lang="en-US" dirty="0"/>
+              <a:t> y </a:t>
+            </a:r>
+            <a:r>
+              <a:rPr lang="en-US" dirty="0" err="1"/>
+              <a:t>probables</a:t>
+            </a:r>
+            <a:r>
+              <a:rPr lang="en-US" dirty="0"/>
+              <a:t> </a:t>
+            </a:r>
+            <a:r>
+              <a:rPr lang="en-US" dirty="0" err="1"/>
+              <a:t>por</a:t>
             </a:r>
             <a:r>
               <a:rPr lang="en-US" dirty="0"/>
@@ -831,55 +842,6 @@
               <a:rPr lang="en-US" dirty="0" err="1"/>
               <a:t>semanas</a:t>
             </a:r>
-            <a:r>
-              <a:rPr lang="en-US" dirty="0"/>
-              <a:t>”</a:t>
-            </a:r>
-          </a:p>
-          <a:p>
-            <a:endParaRPr lang="en-US" dirty="0"/>
-          </a:p>
-          <a:p>
-            <a:r>
-              <a:rPr lang="en-US" dirty="0"/>
-              <a:t>UK:</a:t>
-            </a:r>
-            <a:br>
-              <a:rPr lang="en-US" dirty="0"/>
-            </a:br>
-            <a:r>
-              <a:rPr lang="en-US" dirty="0"/>
-              <a:t>Bajo 14 para </a:t>
-            </a:r>
-            <a:r>
-              <a:rPr lang="en-US" dirty="0" err="1"/>
-              <a:t>abrir</a:t>
-            </a:r>
-            <a:r>
-              <a:rPr lang="en-US" dirty="0"/>
-              <a:t> </a:t>
-            </a:r>
-            <a:r>
-              <a:rPr lang="en-US" dirty="0" err="1"/>
-              <a:t>escuelas</a:t>
-            </a:r>
-            <a:endParaRPr lang="en-US" dirty="0"/>
-          </a:p>
-          <a:p>
-            <a:r>
-              <a:rPr lang="en-US" dirty="0"/>
-              <a:t>Bajo 1,4 para </a:t>
-            </a:r>
-            <a:r>
-              <a:rPr lang="en-US" dirty="0" err="1"/>
-              <a:t>abrir</a:t>
-            </a:r>
-            <a:r>
-              <a:rPr lang="en-US" dirty="0"/>
-              <a:t> el resto</a:t>
-            </a:r>
-          </a:p>
-          <a:p>
             <a:endParaRPr lang="en-US" dirty="0"/>
           </a:p>
         </p:txBody>
@@ -910,7 +872,7 @@
     </p:spTree>
     <p:extLst>
       <p:ext uri="{BB962C8B-B14F-4D97-AF65-F5344CB8AC3E}">
-        <p14:creationId xmlns:p14="http://schemas.microsoft.com/office/powerpoint/2010/main" val="690823015"/>
+        <p14:creationId xmlns:p14="http://schemas.microsoft.com/office/powerpoint/2010/main" val="2289987483"/>
       </p:ext>
     </p:extLst>
   </p:cSld>
@@ -1073,7 +1035,7 @@
           <a:p>
             <a:fld id="{843DCC2D-BF8E-6546-A31C-967437B0E67F}" type="slidenum">
               <a:rPr lang="en-US" smtClean="0"/>
-              <a:t>9</a:t>
+              <a:t>10</a:t>
             </a:fld>
             <a:endParaRPr lang="en-US"/>
           </a:p>
@@ -1082,7 +1044,7 @@
     </p:spTree>
     <p:extLst>
       <p:ext uri="{BB962C8B-B14F-4D97-AF65-F5344CB8AC3E}">
-        <p14:creationId xmlns:p14="http://schemas.microsoft.com/office/powerpoint/2010/main" val="3218521512"/>
+        <p14:creationId xmlns:p14="http://schemas.microsoft.com/office/powerpoint/2010/main" val="690823015"/>
       </p:ext>
     </p:extLst>
   </p:cSld>
@@ -1245,7 +1207,7 @@
           <a:p>
             <a:fld id="{843DCC2D-BF8E-6546-A31C-967437B0E67F}" type="slidenum">
               <a:rPr lang="en-US" smtClean="0"/>
-              <a:t>10</a:t>
+              <a:t>11</a:t>
             </a:fld>
             <a:endParaRPr lang="en-US"/>
           </a:p>
@@ -1254,7 +1216,7 @@
     </p:spTree>
     <p:extLst>
       <p:ext uri="{BB962C8B-B14F-4D97-AF65-F5344CB8AC3E}">
-        <p14:creationId xmlns:p14="http://schemas.microsoft.com/office/powerpoint/2010/main" val="1540371733"/>
+        <p14:creationId xmlns:p14="http://schemas.microsoft.com/office/powerpoint/2010/main" val="3218521512"/>
       </p:ext>
     </p:extLst>
   </p:cSld>
@@ -1310,15 +1272,30 @@
           <a:p>
             <a:r>
               <a:rPr lang="en-US" dirty="0"/>
-              <a:t>OMS: </a:t>
+              <a:t>OMS</a:t>
+            </a:r>
+            <a:br>
+              <a:rPr lang="en-US" dirty="0"/>
+            </a:br>
+            <a:r>
+              <a:rPr lang="en-US" dirty="0"/>
+              <a:t>Baja </a:t>
             </a:r>
             <a:r>
               <a:rPr lang="en-US" dirty="0" err="1"/>
-              <a:t>Menor</a:t>
-            </a:r>
-            <a:r>
-              <a:rPr lang="en-US" dirty="0"/>
-              <a:t> a 5% </a:t>
+              <a:t>sostenida</a:t>
+            </a:r>
+            <a:r>
+              <a:rPr lang="en-US" dirty="0"/>
+              <a:t> (reducer a la </a:t>
+            </a:r>
+            <a:r>
+              <a:rPr lang="en-US" dirty="0" err="1"/>
+              <a:t>mitad</a:t>
+            </a:r>
+            <a:r>
+              <a:rPr lang="en-US" dirty="0"/>
+              <a:t> </a:t>
             </a:r>
             <a:r>
               <a:rPr lang="en-US" dirty="0" err="1"/>
@@ -1326,20 +1303,61 @@
             </a:r>
             <a:r>
               <a:rPr lang="en-US" dirty="0"/>
-              <a:t> </a:t>
-            </a:r>
-            <a:r>
-              <a:rPr lang="en-US" dirty="0" err="1"/>
-              <a:t>últimas</a:t>
-            </a:r>
-            <a:r>
-              <a:rPr lang="en-US" dirty="0"/>
-              <a:t> 2 </a:t>
+              <a:t> 3 </a:t>
             </a:r>
             <a:r>
               <a:rPr lang="en-US" dirty="0" err="1"/>
               <a:t>semanas</a:t>
             </a:r>
+            <a:r>
+              <a:rPr lang="en-US" dirty="0"/>
+              <a:t>”</a:t>
+            </a:r>
+          </a:p>
+          <a:p>
+            <a:endParaRPr lang="en-US" dirty="0"/>
+          </a:p>
+          <a:p>
+            <a:r>
+              <a:rPr lang="en-US" dirty="0"/>
+              <a:t>UK:</a:t>
+            </a:r>
+            <a:br>
+              <a:rPr lang="en-US" dirty="0"/>
+            </a:br>
+            <a:r>
+              <a:rPr lang="en-US" dirty="0"/>
+              <a:t>Bajo 14 para </a:t>
+            </a:r>
+            <a:r>
+              <a:rPr lang="en-US" dirty="0" err="1"/>
+              <a:t>abrir</a:t>
+            </a:r>
+            <a:r>
+              <a:rPr lang="en-US" dirty="0"/>
+              <a:t> </a:t>
+            </a:r>
+            <a:r>
+              <a:rPr lang="en-US" dirty="0" err="1"/>
+              <a:t>escuelas</a:t>
+            </a:r>
+            <a:endParaRPr lang="en-US" dirty="0"/>
+          </a:p>
+          <a:p>
+            <a:r>
+              <a:rPr lang="en-US" dirty="0"/>
+              <a:t>Bajo 1,4 para </a:t>
+            </a:r>
+            <a:r>
+              <a:rPr lang="en-US" dirty="0" err="1"/>
+              <a:t>abrir</a:t>
+            </a:r>
+            <a:r>
+              <a:rPr lang="en-US" dirty="0"/>
+              <a:t> el resto</a:t>
+            </a:r>
+          </a:p>
+          <a:p>
             <a:endParaRPr lang="en-US" dirty="0"/>
           </a:p>
         </p:txBody>
@@ -1370,7 +1388,7 @@
     </p:spTree>
     <p:extLst>
       <p:ext uri="{BB962C8B-B14F-4D97-AF65-F5344CB8AC3E}">
-        <p14:creationId xmlns:p14="http://schemas.microsoft.com/office/powerpoint/2010/main" val="4163690373"/>
+        <p14:creationId xmlns:p14="http://schemas.microsoft.com/office/powerpoint/2010/main" val="1540371733"/>
       </p:ext>
     </p:extLst>
   </p:cSld>
@@ -1477,7 +1495,123 @@
           <a:p>
             <a:fld id="{843DCC2D-BF8E-6546-A31C-967437B0E67F}" type="slidenum">
               <a:rPr lang="en-US" smtClean="0"/>
-              <a:t>13</a:t>
+              <a:t>14</a:t>
+            </a:fld>
+            <a:endParaRPr lang="en-US"/>
+          </a:p>
+        </p:txBody>
+      </p:sp>
+    </p:spTree>
+    <p:extLst>
+      <p:ext uri="{BB962C8B-B14F-4D97-AF65-F5344CB8AC3E}">
+        <p14:creationId xmlns:p14="http://schemas.microsoft.com/office/powerpoint/2010/main" val="4163690373"/>
+      </p:ext>
+    </p:extLst>
+  </p:cSld>
+  <p:clrMapOvr>
+    <a:masterClrMapping/>
+  </p:clrMapOvr>
+</p:notes>
+</file>
+
+<file path=ppt/notesSlides/notesSlide8.xml><?xml version="1.0" encoding="utf-8"?>
+<p:notes xmlns:a="http://schemas.openxmlformats.org/drawingml/2006/main" xmlns:r="http://schemas.openxmlformats.org/officeDocument/2006/relationships" xmlns:p="http://schemas.openxmlformats.org/presentationml/2006/main">
+  <p:cSld>
+    <p:spTree>
+      <p:nvGrpSpPr>
+        <p:cNvPr id="1" name=""/>
+        <p:cNvGrpSpPr/>
+        <p:nvPr/>
+      </p:nvGrpSpPr>
+      <p:grpSpPr>
+        <a:xfrm>
+          <a:off x="0" y="0"/>
+          <a:ext cx="0" cy="0"/>
+          <a:chOff x="0" y="0"/>
+          <a:chExt cx="0" cy="0"/>
+        </a:xfrm>
+      </p:grpSpPr>
+      <p:sp>
+        <p:nvSpPr>
+          <p:cNvPr id="2" name="Slide Image Placeholder 1"/>
+          <p:cNvSpPr>
+            <a:spLocks noGrp="1" noRot="1" noChangeAspect="1"/>
+          </p:cNvSpPr>
+          <p:nvPr>
+            <p:ph type="sldImg"/>
+          </p:nvPr>
+        </p:nvSpPr>
+        <p:spPr/>
+      </p:sp>
+      <p:sp>
+        <p:nvSpPr>
+          <p:cNvPr id="3" name="Notes Placeholder 2"/>
+          <p:cNvSpPr>
+            <a:spLocks noGrp="1"/>
+          </p:cNvSpPr>
+          <p:nvPr>
+            <p:ph type="body" idx="1"/>
+          </p:nvPr>
+        </p:nvSpPr>
+        <p:spPr/>
+        <p:txBody>
+          <a:bodyPr/>
+          <a:lstStyle/>
+          <a:p>
+            <a:r>
+              <a:rPr lang="en-US" dirty="0"/>
+              <a:t>OMS: </a:t>
+            </a:r>
+            <a:r>
+              <a:rPr lang="en-US" dirty="0" err="1"/>
+              <a:t>Menor</a:t>
+            </a:r>
+            <a:r>
+              <a:rPr lang="en-US" dirty="0"/>
+              <a:t> a 5% </a:t>
+            </a:r>
+            <a:r>
+              <a:rPr lang="en-US" dirty="0" err="1"/>
+              <a:t>en</a:t>
+            </a:r>
+            <a:r>
+              <a:rPr lang="en-US" dirty="0"/>
+              <a:t> </a:t>
+            </a:r>
+            <a:r>
+              <a:rPr lang="en-US" dirty="0" err="1"/>
+              <a:t>últimas</a:t>
+            </a:r>
+            <a:r>
+              <a:rPr lang="en-US" dirty="0"/>
+              <a:t> 2 </a:t>
+            </a:r>
+            <a:r>
+              <a:rPr lang="en-US" dirty="0" err="1"/>
+              <a:t>semanas</a:t>
+            </a:r>
+            <a:endParaRPr lang="en-US" dirty="0"/>
+          </a:p>
+        </p:txBody>
+      </p:sp>
+      <p:sp>
+        <p:nvSpPr>
+          <p:cNvPr id="4" name="Slide Number Placeholder 3"/>
+          <p:cNvSpPr>
+            <a:spLocks noGrp="1"/>
+          </p:cNvSpPr>
+          <p:nvPr>
+            <p:ph type="sldNum" sz="quarter" idx="5"/>
+          </p:nvPr>
+        </p:nvSpPr>
+        <p:spPr/>
+        <p:txBody>
+          <a:bodyPr/>
+          <a:lstStyle/>
+          <a:p>
+            <a:fld id="{843DCC2D-BF8E-6546-A31C-967437B0E67F}" type="slidenum">
+              <a:rPr lang="en-US" smtClean="0"/>
+              <a:t>15</a:t>
             </a:fld>
             <a:endParaRPr lang="en-US"/>
           </a:p>
@@ -4948,6 +5082,202 @@
         </p:nvSpPr>
         <p:spPr>
           <a:xfrm>
+            <a:off x="2627010" y="128200"/>
+            <a:ext cx="6937980" cy="584775"/>
+          </a:xfrm>
+          <a:prstGeom prst="rect">
+            <a:avLst/>
+          </a:prstGeom>
+          <a:solidFill>
+            <a:schemeClr val="bg1"/>
+          </a:solidFill>
+        </p:spPr>
+        <p:txBody>
+          <a:bodyPr wrap="square" rtlCol="0">
+            <a:spAutoFit/>
+          </a:bodyPr>
+          <a:lstStyle/>
+          <a:p>
+            <a:pPr algn="ctr"/>
+            <a:r>
+              <a:rPr lang="en-US" sz="3200" dirty="0"/>
+              <a:t>CASOS CONFIRMADOS POR SEMANA </a:t>
+            </a:r>
+          </a:p>
+        </p:txBody>
+      </p:sp>
+      <p:pic>
+        <p:nvPicPr>
+          <p:cNvPr id="3" name="Picture 2">
+            <a:extLst>
+              <a:ext uri="{FF2B5EF4-FFF2-40B4-BE49-F238E27FC236}">
+                <a16:creationId xmlns:a16="http://schemas.microsoft.com/office/drawing/2014/main" id="{C888F03C-8A02-A54F-99DD-209B1E6BF641}"/>
+              </a:ext>
+            </a:extLst>
+          </p:cNvPr>
+          <p:cNvPicPr>
+            <a:picLocks noChangeAspect="1"/>
+          </p:cNvPicPr>
+          <p:nvPr/>
+        </p:nvPicPr>
+        <p:blipFill>
+          <a:blip r:embed="rId3"/>
+          <a:stretch>
+            <a:fillRect/>
+          </a:stretch>
+        </p:blipFill>
+        <p:spPr>
+          <a:xfrm>
+            <a:off x="2242485" y="712975"/>
+            <a:ext cx="7707029" cy="5736811"/>
+          </a:xfrm>
+          <a:prstGeom prst="rect">
+            <a:avLst/>
+          </a:prstGeom>
+        </p:spPr>
+      </p:pic>
+    </p:spTree>
+    <p:extLst>
+      <p:ext uri="{BB962C8B-B14F-4D97-AF65-F5344CB8AC3E}">
+        <p14:creationId xmlns:p14="http://schemas.microsoft.com/office/powerpoint/2010/main" val="2803636919"/>
+      </p:ext>
+    </p:extLst>
+  </p:cSld>
+  <p:clrMapOvr>
+    <a:masterClrMapping/>
+  </p:clrMapOvr>
+</p:sld>
+</file>
+
+<file path=ppt/slides/slide11.xml><?xml version="1.0" encoding="utf-8"?>
+<p:sld xmlns:a="http://schemas.openxmlformats.org/drawingml/2006/main" xmlns:r="http://schemas.openxmlformats.org/officeDocument/2006/relationships" xmlns:p="http://schemas.openxmlformats.org/presentationml/2006/main">
+  <p:cSld>
+    <p:spTree>
+      <p:nvGrpSpPr>
+        <p:cNvPr id="1" name=""/>
+        <p:cNvGrpSpPr/>
+        <p:nvPr/>
+      </p:nvGrpSpPr>
+      <p:grpSpPr>
+        <a:xfrm>
+          <a:off x="0" y="0"/>
+          <a:ext cx="0" cy="0"/>
+          <a:chOff x="0" y="0"/>
+          <a:chExt cx="0" cy="0"/>
+        </a:xfrm>
+      </p:grpSpPr>
+      <p:sp>
+        <p:nvSpPr>
+          <p:cNvPr id="6" name="TextBox 5">
+            <a:extLst>
+              <a:ext uri="{FF2B5EF4-FFF2-40B4-BE49-F238E27FC236}">
+                <a16:creationId xmlns:a16="http://schemas.microsoft.com/office/drawing/2014/main" id="{AB65407A-4582-004A-A45F-BD87B99ABAF2}"/>
+              </a:ext>
+            </a:extLst>
+          </p:cNvPr>
+          <p:cNvSpPr txBox="1"/>
+          <p:nvPr/>
+        </p:nvSpPr>
+        <p:spPr>
+          <a:xfrm>
+            <a:off x="2627010" y="128200"/>
+            <a:ext cx="6937980" cy="584775"/>
+          </a:xfrm>
+          <a:prstGeom prst="rect">
+            <a:avLst/>
+          </a:prstGeom>
+          <a:solidFill>
+            <a:schemeClr val="bg1"/>
+          </a:solidFill>
+        </p:spPr>
+        <p:txBody>
+          <a:bodyPr wrap="square" rtlCol="0">
+            <a:spAutoFit/>
+          </a:bodyPr>
+          <a:lstStyle/>
+          <a:p>
+            <a:pPr algn="ctr"/>
+            <a:r>
+              <a:rPr lang="en-US" sz="3200" dirty="0"/>
+              <a:t>CASOS CONFIRMADOS POR SEMANA </a:t>
+            </a:r>
+          </a:p>
+        </p:txBody>
+      </p:sp>
+      <p:pic>
+        <p:nvPicPr>
+          <p:cNvPr id="2" name="Picture 1">
+            <a:extLst>
+              <a:ext uri="{FF2B5EF4-FFF2-40B4-BE49-F238E27FC236}">
+                <a16:creationId xmlns:a16="http://schemas.microsoft.com/office/drawing/2014/main" id="{A79D22C7-6238-6E46-ACAF-5334DBA52066}"/>
+              </a:ext>
+            </a:extLst>
+          </p:cNvPr>
+          <p:cNvPicPr>
+            <a:picLocks noChangeAspect="1"/>
+          </p:cNvPicPr>
+          <p:nvPr/>
+        </p:nvPicPr>
+        <p:blipFill>
+          <a:blip r:embed="rId3"/>
+          <a:stretch>
+            <a:fillRect/>
+          </a:stretch>
+        </p:blipFill>
+        <p:spPr>
+          <a:xfrm>
+            <a:off x="2188029" y="712975"/>
+            <a:ext cx="7772400" cy="5688288"/>
+          </a:xfrm>
+          <a:prstGeom prst="rect">
+            <a:avLst/>
+          </a:prstGeom>
+        </p:spPr>
+      </p:pic>
+    </p:spTree>
+    <p:extLst>
+      <p:ext uri="{BB962C8B-B14F-4D97-AF65-F5344CB8AC3E}">
+        <p14:creationId xmlns:p14="http://schemas.microsoft.com/office/powerpoint/2010/main" val="3359114157"/>
+      </p:ext>
+    </p:extLst>
+  </p:cSld>
+  <p:clrMapOvr>
+    <a:masterClrMapping/>
+  </p:clrMapOvr>
+</p:sld>
+</file>
+
+<file path=ppt/slides/slide12.xml><?xml version="1.0" encoding="utf-8"?>
+<p:sld xmlns:a="http://schemas.openxmlformats.org/drawingml/2006/main" xmlns:r="http://schemas.openxmlformats.org/officeDocument/2006/relationships" xmlns:p="http://schemas.openxmlformats.org/presentationml/2006/main">
+  <p:cSld>
+    <p:spTree>
+      <p:nvGrpSpPr>
+        <p:cNvPr id="1" name=""/>
+        <p:cNvGrpSpPr/>
+        <p:nvPr/>
+      </p:nvGrpSpPr>
+      <p:grpSpPr>
+        <a:xfrm>
+          <a:off x="0" y="0"/>
+          <a:ext cx="0" cy="0"/>
+          <a:chOff x="0" y="0"/>
+          <a:chExt cx="0" cy="0"/>
+        </a:xfrm>
+      </p:grpSpPr>
+      <p:sp>
+        <p:nvSpPr>
+          <p:cNvPr id="6" name="TextBox 5">
+            <a:extLst>
+              <a:ext uri="{FF2B5EF4-FFF2-40B4-BE49-F238E27FC236}">
+                <a16:creationId xmlns:a16="http://schemas.microsoft.com/office/drawing/2014/main" id="{AB65407A-4582-004A-A45F-BD87B99ABAF2}"/>
+              </a:ext>
+            </a:extLst>
+          </p:cNvPr>
+          <p:cNvSpPr txBox="1"/>
+          <p:nvPr/>
+        </p:nvSpPr>
+        <p:spPr>
+          <a:xfrm>
             <a:off x="188534" y="128200"/>
             <a:ext cx="6068989" cy="1323439"/>
           </a:xfrm>
@@ -5130,7 +5460,7 @@
 </p:sld>
 </file>
 
-<file path=ppt/slides/slide11.xml><?xml version="1.0" encoding="utf-8"?>
+<file path=ppt/slides/slide13.xml><?xml version="1.0" encoding="utf-8"?>
 <p:sld xmlns:a="http://schemas.openxmlformats.org/drawingml/2006/main" xmlns:r="http://schemas.openxmlformats.org/officeDocument/2006/relationships" xmlns:p="http://schemas.openxmlformats.org/presentationml/2006/main">
   <p:cSld>
     <p:spTree>
@@ -5220,7 +5550,7 @@
 </p:sld>
 </file>
 
-<file path=ppt/slides/slide12.xml><?xml version="1.0" encoding="utf-8"?>
+<file path=ppt/slides/slide14.xml><?xml version="1.0" encoding="utf-8"?>
 <p:sld xmlns:a="http://schemas.openxmlformats.org/drawingml/2006/main" xmlns:r="http://schemas.openxmlformats.org/officeDocument/2006/relationships" xmlns:p="http://schemas.openxmlformats.org/presentationml/2006/main">
   <p:cSld>
     <p:spTree>
@@ -5317,7 +5647,7 @@
 </p:sld>
 </file>
 
-<file path=ppt/slides/slide13.xml><?xml version="1.0" encoding="utf-8"?>
+<file path=ppt/slides/slide15.xml><?xml version="1.0" encoding="utf-8"?>
 <p:sld xmlns:a="http://schemas.openxmlformats.org/drawingml/2006/main" xmlns:r="http://schemas.openxmlformats.org/officeDocument/2006/relationships" xmlns:p="http://schemas.openxmlformats.org/presentationml/2006/main">
   <p:cSld>
     <p:spTree>
@@ -5514,7 +5844,7 @@
 </p:sld>
 </file>
 
-<file path=ppt/slides/slide14.xml><?xml version="1.0" encoding="utf-8"?>
+<file path=ppt/slides/slide16.xml><?xml version="1.0" encoding="utf-8"?>
 <p:sld xmlns:a="http://schemas.openxmlformats.org/drawingml/2006/main" xmlns:r="http://schemas.openxmlformats.org/officeDocument/2006/relationships" xmlns:p="http://schemas.openxmlformats.org/presentationml/2006/main">
   <p:cSld>
     <p:spTree>
@@ -5604,7 +5934,7 @@
 </p:sld>
 </file>
 
-<file path=ppt/slides/slide15.xml><?xml version="1.0" encoding="utf-8"?>
+<file path=ppt/slides/slide17.xml><?xml version="1.0" encoding="utf-8"?>
 <p:sld xmlns:a="http://schemas.openxmlformats.org/drawingml/2006/main" xmlns:r="http://schemas.openxmlformats.org/officeDocument/2006/relationships" xmlns:p="http://schemas.openxmlformats.org/presentationml/2006/main">
   <p:cSld>
     <p:spTree>
@@ -5805,7 +6135,7 @@
 </p:sld>
 </file>
 
-<file path=ppt/slides/slide16.xml><?xml version="1.0" encoding="utf-8"?>
+<file path=ppt/slides/slide18.xml><?xml version="1.0" encoding="utf-8"?>
 <p:sld xmlns:a="http://schemas.openxmlformats.org/drawingml/2006/main" xmlns:r="http://schemas.openxmlformats.org/officeDocument/2006/relationships" xmlns:p="http://schemas.openxmlformats.org/presentationml/2006/main">
   <p:cSld>
     <p:spTree>
@@ -6023,408 +6353,6 @@
 </p:sld>
 </file>
 
-<file path=ppt/slides/slide17.xml><?xml version="1.0" encoding="utf-8"?>
-<p:sld xmlns:a="http://schemas.openxmlformats.org/drawingml/2006/main" xmlns:r="http://schemas.openxmlformats.org/officeDocument/2006/relationships" xmlns:p="http://schemas.openxmlformats.org/presentationml/2006/main">
-  <p:cSld>
-    <p:spTree>
-      <p:nvGrpSpPr>
-        <p:cNvPr id="1" name=""/>
-        <p:cNvGrpSpPr/>
-        <p:nvPr/>
-      </p:nvGrpSpPr>
-      <p:grpSpPr>
-        <a:xfrm>
-          <a:off x="0" y="0"/>
-          <a:ext cx="0" cy="0"/>
-          <a:chOff x="0" y="0"/>
-          <a:chExt cx="0" cy="0"/>
-        </a:xfrm>
-      </p:grpSpPr>
-      <p:sp>
-        <p:nvSpPr>
-          <p:cNvPr id="9" name="TextBox 8">
-            <a:extLst>
-              <a:ext uri="{FF2B5EF4-FFF2-40B4-BE49-F238E27FC236}">
-                <a16:creationId xmlns:a16="http://schemas.microsoft.com/office/drawing/2014/main" id="{22433A70-977D-C840-9BCB-9ECF9B80CB77}"/>
-              </a:ext>
-            </a:extLst>
-          </p:cNvPr>
-          <p:cNvSpPr txBox="1"/>
-          <p:nvPr/>
-        </p:nvSpPr>
-        <p:spPr>
-          <a:xfrm>
-            <a:off x="4156518" y="0"/>
-            <a:ext cx="4475712" cy="707886"/>
-          </a:xfrm>
-          <a:prstGeom prst="rect">
-            <a:avLst/>
-          </a:prstGeom>
-          <a:noFill/>
-        </p:spPr>
-        <p:txBody>
-          <a:bodyPr wrap="none" rtlCol="0">
-            <a:spAutoFit/>
-          </a:bodyPr>
-          <a:lstStyle/>
-          <a:p>
-            <a:r>
-              <a:rPr lang="en-US" sz="4000" dirty="0"/>
-              <a:t>RESUMEN SEMANAL</a:t>
-            </a:r>
-          </a:p>
-        </p:txBody>
-      </p:sp>
-      <p:sp>
-        <p:nvSpPr>
-          <p:cNvPr id="3" name="Rectangle 2">
-            <a:extLst>
-              <a:ext uri="{FF2B5EF4-FFF2-40B4-BE49-F238E27FC236}">
-                <a16:creationId xmlns:a16="http://schemas.microsoft.com/office/drawing/2014/main" id="{23A63C90-DCF1-FF43-ADFA-D8F0C39EA90F}"/>
-              </a:ext>
-            </a:extLst>
-          </p:cNvPr>
-          <p:cNvSpPr/>
-          <p:nvPr/>
-        </p:nvSpPr>
-        <p:spPr>
-          <a:xfrm>
-            <a:off x="462140" y="1610486"/>
-            <a:ext cx="4824000" cy="1292662"/>
-          </a:xfrm>
-          <a:prstGeom prst="rect">
-            <a:avLst/>
-          </a:prstGeom>
-          <a:ln>
-            <a:solidFill>
-              <a:schemeClr val="tx1">
-                <a:lumMod val="50000"/>
-                <a:lumOff val="50000"/>
-              </a:schemeClr>
-            </a:solidFill>
-          </a:ln>
-        </p:spPr>
-        <p:txBody>
-          <a:bodyPr wrap="square">
-            <a:spAutoFit/>
-          </a:bodyPr>
-          <a:lstStyle/>
-          <a:p>
-            <a:pPr algn="ctr"/>
-            <a:r>
-              <a:rPr lang="en-US" sz="3200" dirty="0" err="1">
-                <a:solidFill>
-                  <a:schemeClr val="tx1">
-                    <a:lumMod val="65000"/>
-                    <a:lumOff val="35000"/>
-                  </a:schemeClr>
-                </a:solidFill>
-              </a:rPr>
-              <a:t>Hospitalizaciones</a:t>
-            </a:r>
-            <a:r>
-              <a:rPr lang="en-US" sz="3200" dirty="0">
-                <a:solidFill>
-                  <a:schemeClr val="tx1">
-                    <a:lumMod val="65000"/>
-                    <a:lumOff val="35000"/>
-                  </a:schemeClr>
-                </a:solidFill>
-              </a:rPr>
-              <a:t> UCI</a:t>
-            </a:r>
-            <a:endParaRPr lang="en-US" dirty="0"/>
-          </a:p>
-          <a:p>
-            <a:pPr algn="ctr"/>
-            <a:endParaRPr lang="en-US" dirty="0"/>
-          </a:p>
-          <a:p>
-            <a:pPr algn="ctr"/>
-            <a:r>
-              <a:rPr lang="en-US" sz="2800" b="1" dirty="0">
-                <a:solidFill>
-                  <a:schemeClr val="accent6"/>
-                </a:solidFill>
-              </a:rPr>
-              <a:t>BAJANDO</a:t>
-            </a:r>
-            <a:endParaRPr lang="en-US" sz="2800" b="1" dirty="0">
-              <a:solidFill>
-                <a:srgbClr val="FF0000"/>
-              </a:solidFill>
-            </a:endParaRPr>
-          </a:p>
-        </p:txBody>
-      </p:sp>
-      <p:sp>
-        <p:nvSpPr>
-          <p:cNvPr id="6" name="Rectangle 5">
-            <a:extLst>
-              <a:ext uri="{FF2B5EF4-FFF2-40B4-BE49-F238E27FC236}">
-                <a16:creationId xmlns:a16="http://schemas.microsoft.com/office/drawing/2014/main" id="{123C3ADC-F344-EC47-BE69-A5C7C2F032A1}"/>
-              </a:ext>
-            </a:extLst>
-          </p:cNvPr>
-          <p:cNvSpPr/>
-          <p:nvPr/>
-        </p:nvSpPr>
-        <p:spPr>
-          <a:xfrm>
-            <a:off x="6825529" y="1614877"/>
-            <a:ext cx="4823999" cy="1292662"/>
-          </a:xfrm>
-          <a:prstGeom prst="rect">
-            <a:avLst/>
-          </a:prstGeom>
-          <a:ln>
-            <a:solidFill>
-              <a:schemeClr val="tx1">
-                <a:lumMod val="50000"/>
-                <a:lumOff val="50000"/>
-              </a:schemeClr>
-            </a:solidFill>
-          </a:ln>
-        </p:spPr>
-        <p:txBody>
-          <a:bodyPr wrap="square">
-            <a:spAutoFit/>
-          </a:bodyPr>
-          <a:lstStyle/>
-          <a:p>
-            <a:pPr algn="ctr"/>
-            <a:r>
-              <a:rPr lang="en-US" sz="3200" dirty="0" err="1">
-                <a:solidFill>
-                  <a:schemeClr val="tx1">
-                    <a:lumMod val="65000"/>
-                    <a:lumOff val="35000"/>
-                  </a:schemeClr>
-                </a:solidFill>
-              </a:rPr>
-              <a:t>Fallecidos</a:t>
-            </a:r>
-            <a:r>
-              <a:rPr lang="en-US" sz="3200" dirty="0">
-                <a:solidFill>
-                  <a:schemeClr val="tx1">
-                    <a:lumMod val="65000"/>
-                    <a:lumOff val="35000"/>
-                  </a:schemeClr>
-                </a:solidFill>
-              </a:rPr>
-              <a:t> </a:t>
-            </a:r>
-            <a:r>
-              <a:rPr lang="en-US" sz="3200" dirty="0" err="1">
-                <a:solidFill>
-                  <a:schemeClr val="tx1">
-                    <a:lumMod val="65000"/>
-                    <a:lumOff val="35000"/>
-                  </a:schemeClr>
-                </a:solidFill>
-              </a:rPr>
-              <a:t>semanales</a:t>
-            </a:r>
-            <a:endParaRPr lang="en-US" sz="3200" dirty="0">
-              <a:solidFill>
-                <a:schemeClr val="tx1">
-                  <a:lumMod val="65000"/>
-                  <a:lumOff val="35000"/>
-                </a:schemeClr>
-              </a:solidFill>
-            </a:endParaRPr>
-          </a:p>
-          <a:p>
-            <a:pPr algn="ctr"/>
-            <a:endParaRPr lang="en-US" dirty="0"/>
-          </a:p>
-          <a:p>
-            <a:pPr algn="ctr"/>
-            <a:r>
-              <a:rPr lang="en-US" sz="2800" b="1" dirty="0">
-                <a:solidFill>
-                  <a:schemeClr val="accent6"/>
-                </a:solidFill>
-              </a:rPr>
-              <a:t>BAJANDO</a:t>
-            </a:r>
-            <a:endParaRPr lang="en-US" sz="2800" b="1" dirty="0">
-              <a:solidFill>
-                <a:srgbClr val="00417C"/>
-              </a:solidFill>
-            </a:endParaRPr>
-          </a:p>
-        </p:txBody>
-      </p:sp>
-      <p:sp>
-        <p:nvSpPr>
-          <p:cNvPr id="8" name="Rectangle 7">
-            <a:extLst>
-              <a:ext uri="{FF2B5EF4-FFF2-40B4-BE49-F238E27FC236}">
-                <a16:creationId xmlns:a16="http://schemas.microsoft.com/office/drawing/2014/main" id="{0811E62D-18FC-C040-AC7D-3ACBA4D09B8E}"/>
-              </a:ext>
-            </a:extLst>
-          </p:cNvPr>
-          <p:cNvSpPr/>
-          <p:nvPr/>
-        </p:nvSpPr>
-        <p:spPr>
-          <a:xfrm>
-            <a:off x="1925460" y="4082746"/>
-            <a:ext cx="8937827" cy="1292662"/>
-          </a:xfrm>
-          <a:prstGeom prst="rect">
-            <a:avLst/>
-          </a:prstGeom>
-          <a:ln>
-            <a:solidFill>
-              <a:schemeClr val="tx1">
-                <a:lumMod val="50000"/>
-                <a:lumOff val="50000"/>
-              </a:schemeClr>
-            </a:solidFill>
-          </a:ln>
-        </p:spPr>
-        <p:txBody>
-          <a:bodyPr wrap="square">
-            <a:spAutoFit/>
-          </a:bodyPr>
-          <a:lstStyle/>
-          <a:p>
-            <a:pPr algn="ctr"/>
-            <a:r>
-              <a:rPr lang="en-US" sz="3200" dirty="0">
-                <a:solidFill>
-                  <a:schemeClr val="tx1">
-                    <a:lumMod val="65000"/>
-                    <a:lumOff val="35000"/>
-                  </a:schemeClr>
-                </a:solidFill>
-              </a:rPr>
-              <a:t>NIVEL DE CONTAGIOS</a:t>
-            </a:r>
-          </a:p>
-          <a:p>
-            <a:pPr algn="ctr"/>
-            <a:endParaRPr lang="en-US" dirty="0"/>
-          </a:p>
-          <a:p>
-            <a:pPr algn="ctr"/>
-            <a:r>
-              <a:rPr lang="en-US" sz="2800" b="1" dirty="0">
-                <a:solidFill>
-                  <a:schemeClr val="accent6"/>
-                </a:solidFill>
-              </a:rPr>
-              <a:t>BAJANDO</a:t>
-            </a:r>
-          </a:p>
-        </p:txBody>
-      </p:sp>
-    </p:spTree>
-    <p:extLst>
-      <p:ext uri="{BB962C8B-B14F-4D97-AF65-F5344CB8AC3E}">
-        <p14:creationId xmlns:p14="http://schemas.microsoft.com/office/powerpoint/2010/main" val="319308570"/>
-      </p:ext>
-    </p:extLst>
-  </p:cSld>
-  <p:clrMapOvr>
-    <a:masterClrMapping/>
-  </p:clrMapOvr>
-</p:sld>
-</file>
-
-<file path=ppt/slides/slide18.xml><?xml version="1.0" encoding="utf-8"?>
-<p:sld xmlns:a="http://schemas.openxmlformats.org/drawingml/2006/main" xmlns:r="http://schemas.openxmlformats.org/officeDocument/2006/relationships" xmlns:p="http://schemas.openxmlformats.org/presentationml/2006/main">
-  <p:cSld>
-    <p:spTree>
-      <p:nvGrpSpPr>
-        <p:cNvPr id="1" name=""/>
-        <p:cNvGrpSpPr/>
-        <p:nvPr/>
-      </p:nvGrpSpPr>
-      <p:grpSpPr>
-        <a:xfrm>
-          <a:off x="0" y="0"/>
-          <a:ext cx="0" cy="0"/>
-          <a:chOff x="0" y="0"/>
-          <a:chExt cx="0" cy="0"/>
-        </a:xfrm>
-      </p:grpSpPr>
-      <p:sp>
-        <p:nvSpPr>
-          <p:cNvPr id="4" name="TextBox 3">
-            <a:extLst>
-              <a:ext uri="{FF2B5EF4-FFF2-40B4-BE49-F238E27FC236}">
-                <a16:creationId xmlns:a16="http://schemas.microsoft.com/office/drawing/2014/main" id="{5BCAFE7A-E299-D14E-9413-EB5C984AF441}"/>
-              </a:ext>
-            </a:extLst>
-          </p:cNvPr>
-          <p:cNvSpPr txBox="1"/>
-          <p:nvPr/>
-        </p:nvSpPr>
-        <p:spPr>
-          <a:xfrm>
-            <a:off x="3621059" y="2846895"/>
-            <a:ext cx="4476610" cy="1015663"/>
-          </a:xfrm>
-          <a:prstGeom prst="rect">
-            <a:avLst/>
-          </a:prstGeom>
-          <a:noFill/>
-        </p:spPr>
-        <p:txBody>
-          <a:bodyPr wrap="none" rtlCol="0">
-            <a:spAutoFit/>
-          </a:bodyPr>
-          <a:lstStyle/>
-          <a:p>
-            <a:r>
-              <a:rPr lang="en-US" sz="6000" dirty="0"/>
-              <a:t>VACUNACIÓN</a:t>
-            </a:r>
-          </a:p>
-        </p:txBody>
-      </p:sp>
-      <p:sp>
-        <p:nvSpPr>
-          <p:cNvPr id="5" name="Title 4">
-            <a:extLst>
-              <a:ext uri="{FF2B5EF4-FFF2-40B4-BE49-F238E27FC236}">
-                <a16:creationId xmlns:a16="http://schemas.microsoft.com/office/drawing/2014/main" id="{5B465201-ED47-B64A-B505-4DDA25649C32}"/>
-              </a:ext>
-            </a:extLst>
-          </p:cNvPr>
-          <p:cNvSpPr>
-            <a:spLocks noGrp="1"/>
-          </p:cNvSpPr>
-          <p:nvPr>
-            <p:ph type="title"/>
-          </p:nvPr>
-        </p:nvSpPr>
-        <p:spPr/>
-        <p:txBody>
-          <a:bodyPr/>
-          <a:lstStyle/>
-          <a:p>
-            <a:endParaRPr lang="en-US"/>
-          </a:p>
-        </p:txBody>
-      </p:sp>
-    </p:spTree>
-    <p:extLst>
-      <p:ext uri="{BB962C8B-B14F-4D97-AF65-F5344CB8AC3E}">
-        <p14:creationId xmlns:p14="http://schemas.microsoft.com/office/powerpoint/2010/main" val="568400835"/>
-      </p:ext>
-    </p:extLst>
-  </p:cSld>
-  <p:clrMapOvr>
-    <a:masterClrMapping/>
-  </p:clrMapOvr>
-</p:sld>
-</file>
-
 <file path=ppt/slides/slide19.xml><?xml version="1.0" encoding="utf-8"?>
 <p:sld xmlns:a="http://schemas.openxmlformats.org/drawingml/2006/main" xmlns:r="http://schemas.openxmlformats.org/officeDocument/2006/relationships" xmlns:p="http://schemas.openxmlformats.org/presentationml/2006/main">
   <p:cSld>
@@ -6442,52 +6370,22 @@
           <a:chExt cx="0" cy="0"/>
         </a:xfrm>
       </p:grpSpPr>
-      <p:pic>
-        <p:nvPicPr>
-          <p:cNvPr id="3" name="Picture 2">
-            <a:extLst>
-              <a:ext uri="{FF2B5EF4-FFF2-40B4-BE49-F238E27FC236}">
-                <a16:creationId xmlns:a16="http://schemas.microsoft.com/office/drawing/2014/main" id="{7296AFEC-AC4A-B74C-99AD-360F21A634E1}"/>
-              </a:ext>
-            </a:extLst>
-          </p:cNvPr>
-          <p:cNvPicPr>
-            <a:picLocks noChangeAspect="1"/>
-          </p:cNvPicPr>
+      <p:sp>
+        <p:nvSpPr>
+          <p:cNvPr id="9" name="TextBox 8">
+            <a:extLst>
+              <a:ext uri="{FF2B5EF4-FFF2-40B4-BE49-F238E27FC236}">
+                <a16:creationId xmlns:a16="http://schemas.microsoft.com/office/drawing/2014/main" id="{22433A70-977D-C840-9BCB-9ECF9B80CB77}"/>
+              </a:ext>
+            </a:extLst>
+          </p:cNvPr>
+          <p:cNvSpPr txBox="1"/>
           <p:nvPr/>
-        </p:nvPicPr>
-        <p:blipFill>
-          <a:blip r:embed="rId2"/>
-          <a:stretch>
-            <a:fillRect/>
-          </a:stretch>
-        </p:blipFill>
+        </p:nvSpPr>
         <p:spPr>
           <a:xfrm>
-            <a:off x="0" y="572761"/>
-            <a:ext cx="12192000" cy="5712477"/>
-          </a:xfrm>
-          <a:prstGeom prst="rect">
-            <a:avLst/>
-          </a:prstGeom>
-        </p:spPr>
-      </p:pic>
-      <p:sp>
-        <p:nvSpPr>
-          <p:cNvPr id="9" name="TextBox 8">
-            <a:extLst>
-              <a:ext uri="{FF2B5EF4-FFF2-40B4-BE49-F238E27FC236}">
-                <a16:creationId xmlns:a16="http://schemas.microsoft.com/office/drawing/2014/main" id="{22433A70-977D-C840-9BCB-9ECF9B80CB77}"/>
-              </a:ext>
-            </a:extLst>
-          </p:cNvPr>
-          <p:cNvSpPr txBox="1"/>
-          <p:nvPr/>
-        </p:nvSpPr>
-        <p:spPr>
-          <a:xfrm>
-            <a:off x="-73478" y="0"/>
-            <a:ext cx="12338956" cy="569387"/>
+            <a:off x="4156518" y="0"/>
+            <a:ext cx="4475712" cy="707886"/>
           </a:xfrm>
           <a:prstGeom prst="rect">
             <a:avLst/>
@@ -6495,134 +6393,374 @@
           <a:noFill/>
         </p:spPr>
         <p:txBody>
-          <a:bodyPr wrap="square" rtlCol="0">
+          <a:bodyPr wrap="none" rtlCol="0">
             <a:spAutoFit/>
           </a:bodyPr>
           <a:lstStyle/>
           <a:p>
-            <a:pPr algn="ctr"/>
-            <a:r>
-              <a:rPr lang="en-US" sz="3100" dirty="0" err="1"/>
-              <a:t>Cobertura</a:t>
-            </a:r>
-            <a:r>
-              <a:rPr lang="en-US" sz="3100" dirty="0"/>
-              <a:t> de </a:t>
-            </a:r>
-            <a:r>
-              <a:rPr lang="en-US" sz="3100" dirty="0" err="1"/>
-              <a:t>Vacunación</a:t>
-            </a:r>
-            <a:r>
-              <a:rPr lang="en-US" sz="3100" dirty="0"/>
-              <a:t> COVID-19 </a:t>
-            </a:r>
-            <a:r>
-              <a:rPr lang="en-US" sz="3100" dirty="0" err="1"/>
-              <a:t>en</a:t>
-            </a:r>
-            <a:r>
-              <a:rPr lang="en-US" sz="3100" dirty="0"/>
-              <a:t> Chile</a:t>
-            </a:r>
-          </a:p>
-        </p:txBody>
-      </p:sp>
-      <p:sp>
-        <p:nvSpPr>
-          <p:cNvPr id="5" name="TextBox 4">
-            <a:extLst>
-              <a:ext uri="{FF2B5EF4-FFF2-40B4-BE49-F238E27FC236}">
-                <a16:creationId xmlns:a16="http://schemas.microsoft.com/office/drawing/2014/main" id="{AE60033C-48B3-1E42-A180-100FEDC8D62B}"/>
-              </a:ext>
-            </a:extLst>
-          </p:cNvPr>
-          <p:cNvSpPr txBox="1"/>
+            <a:r>
+              <a:rPr lang="en-US" sz="4000" dirty="0"/>
+              <a:t>RESUMEN SEMANAL</a:t>
+            </a:r>
+          </a:p>
+        </p:txBody>
+      </p:sp>
+      <p:sp>
+        <p:nvSpPr>
+          <p:cNvPr id="3" name="Rectangle 2">
+            <a:extLst>
+              <a:ext uri="{FF2B5EF4-FFF2-40B4-BE49-F238E27FC236}">
+                <a16:creationId xmlns:a16="http://schemas.microsoft.com/office/drawing/2014/main" id="{23A63C90-DCF1-FF43-ADFA-D8F0C39EA90F}"/>
+              </a:ext>
+            </a:extLst>
+          </p:cNvPr>
+          <p:cNvSpPr/>
           <p:nvPr/>
         </p:nvSpPr>
         <p:spPr>
           <a:xfrm>
-            <a:off x="160256" y="6447934"/>
-            <a:ext cx="5882188" cy="369332"/>
+            <a:off x="462140" y="1610486"/>
+            <a:ext cx="4824000" cy="2154436"/>
           </a:xfrm>
           <a:prstGeom prst="rect">
             <a:avLst/>
           </a:prstGeom>
-          <a:noFill/>
+          <a:ln>
+            <a:solidFill>
+              <a:schemeClr val="tx1">
+                <a:lumMod val="50000"/>
+                <a:lumOff val="50000"/>
+              </a:schemeClr>
+            </a:solidFill>
+          </a:ln>
         </p:spPr>
         <p:txBody>
-          <a:bodyPr wrap="none" rtlCol="0">
+          <a:bodyPr wrap="square">
             <a:spAutoFit/>
           </a:bodyPr>
           <a:lstStyle/>
           <a:p>
-            <a:r>
-              <a:rPr lang="en-US" dirty="0"/>
-              <a:t>Fuente: </a:t>
-            </a:r>
-            <a:r>
-              <a:rPr lang="en-US" dirty="0" err="1"/>
-              <a:t>Repositorio</a:t>
-            </a:r>
-            <a:r>
-              <a:rPr lang="en-US" dirty="0"/>
-              <a:t> de </a:t>
-            </a:r>
-            <a:r>
-              <a:rPr lang="en-US" dirty="0" err="1"/>
-              <a:t>Datos</a:t>
-            </a:r>
-            <a:r>
-              <a:rPr lang="en-US" dirty="0"/>
-              <a:t> COVID19, </a:t>
-            </a:r>
-            <a:r>
-              <a:rPr lang="en-US" dirty="0" err="1"/>
-              <a:t>Ministerio</a:t>
-            </a:r>
-            <a:r>
-              <a:rPr lang="en-US" dirty="0"/>
-              <a:t> de </a:t>
-            </a:r>
-            <a:r>
-              <a:rPr lang="en-US" dirty="0" err="1"/>
-              <a:t>Ciencia</a:t>
+            <a:pPr algn="ctr"/>
+            <a:r>
+              <a:rPr lang="en-US" sz="3200" dirty="0" err="1">
+                <a:solidFill>
+                  <a:schemeClr val="tx1">
+                    <a:lumMod val="65000"/>
+                    <a:lumOff val="35000"/>
+                  </a:schemeClr>
+                </a:solidFill>
+              </a:rPr>
+              <a:t>Hospitalizaciones</a:t>
+            </a:r>
+            <a:r>
+              <a:rPr lang="en-US" sz="3200" dirty="0">
+                <a:solidFill>
+                  <a:schemeClr val="tx1">
+                    <a:lumMod val="65000"/>
+                    <a:lumOff val="35000"/>
+                  </a:schemeClr>
+                </a:solidFill>
+              </a:rPr>
+              <a:t> UCI</a:t>
             </a:r>
             <a:endParaRPr lang="en-US" dirty="0"/>
           </a:p>
-        </p:txBody>
-      </p:sp>
-      <p:sp>
-        <p:nvSpPr>
-          <p:cNvPr id="2" name="TextBox 1">
-            <a:extLst>
-              <a:ext uri="{FF2B5EF4-FFF2-40B4-BE49-F238E27FC236}">
-                <a16:creationId xmlns:a16="http://schemas.microsoft.com/office/drawing/2014/main" id="{FE913D83-78EC-F64F-98C6-1C151ADBA8A9}"/>
-              </a:ext>
-            </a:extLst>
-          </p:cNvPr>
-          <p:cNvSpPr txBox="1"/>
+          <a:p>
+            <a:pPr algn="ctr"/>
+            <a:endParaRPr lang="en-US" dirty="0"/>
+          </a:p>
+          <a:p>
+            <a:pPr algn="ctr"/>
+            <a:r>
+              <a:rPr lang="en-US" sz="2800" b="1" dirty="0">
+                <a:solidFill>
+                  <a:schemeClr val="accent1"/>
+                </a:solidFill>
+              </a:rPr>
+              <a:t>1,3 </a:t>
+            </a:r>
+            <a:r>
+              <a:rPr lang="en-US" sz="2800" b="1" dirty="0" err="1">
+                <a:solidFill>
+                  <a:schemeClr val="accent1"/>
+                </a:solidFill>
+              </a:rPr>
+              <a:t>veces</a:t>
+            </a:r>
+            <a:r>
+              <a:rPr lang="en-US" sz="2800" b="1" dirty="0">
+                <a:solidFill>
+                  <a:schemeClr val="accent1"/>
+                </a:solidFill>
+              </a:rPr>
+              <a:t> </a:t>
+            </a:r>
+            <a:r>
+              <a:rPr lang="en-US" sz="2800" b="1" dirty="0" err="1">
+                <a:solidFill>
+                  <a:schemeClr val="accent1"/>
+                </a:solidFill>
+              </a:rPr>
+              <a:t>cifras</a:t>
+            </a:r>
+            <a:r>
+              <a:rPr lang="en-US" sz="2800" b="1" dirty="0">
+                <a:solidFill>
+                  <a:schemeClr val="accent1"/>
+                </a:solidFill>
+              </a:rPr>
+              <a:t> de Oct 2021</a:t>
+            </a:r>
+          </a:p>
+          <a:p>
+            <a:pPr algn="ctr"/>
+            <a:endParaRPr lang="en-US" sz="2800" b="1" dirty="0">
+              <a:solidFill>
+                <a:schemeClr val="accent6"/>
+              </a:solidFill>
+            </a:endParaRPr>
+          </a:p>
+          <a:p>
+            <a:pPr algn="ctr"/>
+            <a:r>
+              <a:rPr lang="en-US" sz="2800" b="1" dirty="0">
+                <a:solidFill>
+                  <a:schemeClr val="accent6"/>
+                </a:solidFill>
+              </a:rPr>
+              <a:t>BAJANDO</a:t>
+            </a:r>
+            <a:endParaRPr lang="en-US" sz="2800" b="1" dirty="0">
+              <a:solidFill>
+                <a:srgbClr val="FF0000"/>
+              </a:solidFill>
+            </a:endParaRPr>
+          </a:p>
+        </p:txBody>
+      </p:sp>
+      <p:sp>
+        <p:nvSpPr>
+          <p:cNvPr id="6" name="Rectangle 5">
+            <a:extLst>
+              <a:ext uri="{FF2B5EF4-FFF2-40B4-BE49-F238E27FC236}">
+                <a16:creationId xmlns:a16="http://schemas.microsoft.com/office/drawing/2014/main" id="{123C3ADC-F344-EC47-BE69-A5C7C2F032A1}"/>
+              </a:ext>
+            </a:extLst>
+          </p:cNvPr>
+          <p:cNvSpPr/>
           <p:nvPr/>
         </p:nvSpPr>
         <p:spPr>
           <a:xfrm>
-            <a:off x="4751176" y="833401"/>
-            <a:ext cx="1968809" cy="461665"/>
+            <a:off x="6825529" y="1614877"/>
+            <a:ext cx="4823999" cy="2000548"/>
           </a:xfrm>
           <a:prstGeom prst="rect">
             <a:avLst/>
           </a:prstGeom>
-          <a:noFill/>
+          <a:ln>
+            <a:solidFill>
+              <a:schemeClr val="tx1">
+                <a:lumMod val="50000"/>
+                <a:lumOff val="50000"/>
+              </a:schemeClr>
+            </a:solidFill>
+          </a:ln>
         </p:spPr>
         <p:txBody>
-          <a:bodyPr wrap="none" rtlCol="0">
+          <a:bodyPr wrap="square">
             <a:spAutoFit/>
           </a:bodyPr>
           <a:lstStyle/>
           <a:p>
-            <a:r>
-              <a:rPr lang="en-CL" sz="2400" dirty="0"/>
-              <a:t>18 o más años</a:t>
+            <a:pPr algn="ctr"/>
+            <a:r>
+              <a:rPr lang="en-US" sz="3200" dirty="0" err="1">
+                <a:solidFill>
+                  <a:schemeClr val="tx1">
+                    <a:lumMod val="65000"/>
+                    <a:lumOff val="35000"/>
+                  </a:schemeClr>
+                </a:solidFill>
+              </a:rPr>
+              <a:t>Fallecidos</a:t>
+            </a:r>
+            <a:r>
+              <a:rPr lang="en-US" sz="3200" dirty="0">
+                <a:solidFill>
+                  <a:schemeClr val="tx1">
+                    <a:lumMod val="65000"/>
+                    <a:lumOff val="35000"/>
+                  </a:schemeClr>
+                </a:solidFill>
+              </a:rPr>
+              <a:t> </a:t>
+            </a:r>
+            <a:r>
+              <a:rPr lang="en-US" sz="3200" dirty="0" err="1">
+                <a:solidFill>
+                  <a:schemeClr val="tx1">
+                    <a:lumMod val="65000"/>
+                    <a:lumOff val="35000"/>
+                  </a:schemeClr>
+                </a:solidFill>
+              </a:rPr>
+              <a:t>semanales</a:t>
+            </a:r>
+            <a:endParaRPr lang="en-US" sz="3200" dirty="0">
+              <a:solidFill>
+                <a:schemeClr val="tx1">
+                  <a:lumMod val="65000"/>
+                  <a:lumOff val="35000"/>
+                </a:schemeClr>
+              </a:solidFill>
+            </a:endParaRPr>
+          </a:p>
+          <a:p>
+            <a:pPr algn="ctr"/>
+            <a:endParaRPr lang="en-US" dirty="0"/>
+          </a:p>
+          <a:p>
+            <a:pPr algn="ctr"/>
+            <a:r>
+              <a:rPr lang="en-US" sz="2800" b="1" dirty="0">
+                <a:solidFill>
+                  <a:schemeClr val="accent1"/>
+                </a:solidFill>
+              </a:rPr>
+              <a:t>&gt; 5 </a:t>
+            </a:r>
+            <a:r>
+              <a:rPr lang="en-US" sz="2800" b="1" dirty="0" err="1">
+                <a:solidFill>
+                  <a:schemeClr val="accent1"/>
+                </a:solidFill>
+              </a:rPr>
+              <a:t>veces</a:t>
+            </a:r>
+            <a:r>
+              <a:rPr lang="en-US" sz="2800" b="1" dirty="0">
+                <a:solidFill>
+                  <a:schemeClr val="accent1"/>
+                </a:solidFill>
+              </a:rPr>
+              <a:t> </a:t>
+            </a:r>
+            <a:r>
+              <a:rPr lang="en-US" sz="2800" b="1" dirty="0" err="1">
+                <a:solidFill>
+                  <a:schemeClr val="accent1"/>
+                </a:solidFill>
+              </a:rPr>
+              <a:t>cifras</a:t>
+            </a:r>
+            <a:r>
+              <a:rPr lang="en-US" sz="2800" b="1" dirty="0">
+                <a:solidFill>
+                  <a:schemeClr val="accent1"/>
+                </a:solidFill>
+              </a:rPr>
+              <a:t> de Oct 2021</a:t>
+            </a:r>
+          </a:p>
+          <a:p>
+            <a:pPr algn="ctr"/>
+            <a:endParaRPr lang="en-US" dirty="0"/>
+          </a:p>
+          <a:p>
+            <a:pPr algn="ctr"/>
+            <a:r>
+              <a:rPr lang="en-US" sz="2800" b="1" dirty="0">
+                <a:solidFill>
+                  <a:schemeClr val="accent6"/>
+                </a:solidFill>
+              </a:rPr>
+              <a:t>BAJANDO</a:t>
+            </a:r>
+            <a:endParaRPr lang="en-US" sz="2800" b="1" dirty="0">
+              <a:solidFill>
+                <a:srgbClr val="00417C"/>
+              </a:solidFill>
+            </a:endParaRPr>
+          </a:p>
+        </p:txBody>
+      </p:sp>
+      <p:sp>
+        <p:nvSpPr>
+          <p:cNvPr id="8" name="Rectangle 7">
+            <a:extLst>
+              <a:ext uri="{FF2B5EF4-FFF2-40B4-BE49-F238E27FC236}">
+                <a16:creationId xmlns:a16="http://schemas.microsoft.com/office/drawing/2014/main" id="{0811E62D-18FC-C040-AC7D-3ACBA4D09B8E}"/>
+              </a:ext>
+            </a:extLst>
+          </p:cNvPr>
+          <p:cNvSpPr/>
+          <p:nvPr/>
+        </p:nvSpPr>
+        <p:spPr>
+          <a:xfrm>
+            <a:off x="1925460" y="4082746"/>
+            <a:ext cx="8937827" cy="2000548"/>
+          </a:xfrm>
+          <a:prstGeom prst="rect">
+            <a:avLst/>
+          </a:prstGeom>
+          <a:ln>
+            <a:solidFill>
+              <a:schemeClr val="tx1">
+                <a:lumMod val="50000"/>
+                <a:lumOff val="50000"/>
+              </a:schemeClr>
+            </a:solidFill>
+          </a:ln>
+        </p:spPr>
+        <p:txBody>
+          <a:bodyPr wrap="square">
+            <a:spAutoFit/>
+          </a:bodyPr>
+          <a:lstStyle/>
+          <a:p>
+            <a:pPr algn="ctr"/>
+            <a:r>
+              <a:rPr lang="en-US" sz="3200" dirty="0">
+                <a:solidFill>
+                  <a:schemeClr val="tx1">
+                    <a:lumMod val="65000"/>
+                    <a:lumOff val="35000"/>
+                  </a:schemeClr>
+                </a:solidFill>
+              </a:rPr>
+              <a:t>NIVEL DE CONTAGIOS</a:t>
+            </a:r>
+          </a:p>
+          <a:p>
+            <a:pPr algn="ctr"/>
+            <a:endParaRPr lang="en-US" dirty="0"/>
+          </a:p>
+          <a:p>
+            <a:pPr algn="ctr"/>
+            <a:r>
+              <a:rPr lang="en-US" sz="2800" b="1" dirty="0">
+                <a:solidFill>
+                  <a:schemeClr val="accent1"/>
+                </a:solidFill>
+              </a:rPr>
+              <a:t>POSITIVIDAD BAJO 7% | INCIDENCIA ≈ 20 x 100 mil</a:t>
+            </a:r>
+          </a:p>
+          <a:p>
+            <a:pPr algn="ctr"/>
+            <a:endParaRPr lang="en-US" dirty="0"/>
+          </a:p>
+          <a:p>
+            <a:pPr algn="ctr"/>
+            <a:r>
+              <a:rPr lang="en-US" sz="2800" b="1" dirty="0">
+                <a:solidFill>
+                  <a:schemeClr val="accent6"/>
+                </a:solidFill>
+              </a:rPr>
+              <a:t>BAJANDO</a:t>
             </a:r>
           </a:p>
         </p:txBody>
@@ -6630,7 +6768,7 @@
     </p:spTree>
     <p:extLst>
       <p:ext uri="{BB962C8B-B14F-4D97-AF65-F5344CB8AC3E}">
-        <p14:creationId xmlns:p14="http://schemas.microsoft.com/office/powerpoint/2010/main" val="3010253856"/>
+        <p14:creationId xmlns:p14="http://schemas.microsoft.com/office/powerpoint/2010/main" val="319308570"/>
       </p:ext>
     </p:extLst>
   </p:cSld>
@@ -6731,6 +6869,311 @@
 </file>
 
 <file path=ppt/slides/slide20.xml><?xml version="1.0" encoding="utf-8"?>
+<p:sld xmlns:a="http://schemas.openxmlformats.org/drawingml/2006/main" xmlns:r="http://schemas.openxmlformats.org/officeDocument/2006/relationships" xmlns:p="http://schemas.openxmlformats.org/presentationml/2006/main">
+  <p:cSld>
+    <p:spTree>
+      <p:nvGrpSpPr>
+        <p:cNvPr id="1" name=""/>
+        <p:cNvGrpSpPr/>
+        <p:nvPr/>
+      </p:nvGrpSpPr>
+      <p:grpSpPr>
+        <a:xfrm>
+          <a:off x="0" y="0"/>
+          <a:ext cx="0" cy="0"/>
+          <a:chOff x="0" y="0"/>
+          <a:chExt cx="0" cy="0"/>
+        </a:xfrm>
+      </p:grpSpPr>
+      <p:sp>
+        <p:nvSpPr>
+          <p:cNvPr id="4" name="TextBox 3">
+            <a:extLst>
+              <a:ext uri="{FF2B5EF4-FFF2-40B4-BE49-F238E27FC236}">
+                <a16:creationId xmlns:a16="http://schemas.microsoft.com/office/drawing/2014/main" id="{5BCAFE7A-E299-D14E-9413-EB5C984AF441}"/>
+              </a:ext>
+            </a:extLst>
+          </p:cNvPr>
+          <p:cNvSpPr txBox="1"/>
+          <p:nvPr/>
+        </p:nvSpPr>
+        <p:spPr>
+          <a:xfrm>
+            <a:off x="3621059" y="2846895"/>
+            <a:ext cx="4476610" cy="1015663"/>
+          </a:xfrm>
+          <a:prstGeom prst="rect">
+            <a:avLst/>
+          </a:prstGeom>
+          <a:noFill/>
+        </p:spPr>
+        <p:txBody>
+          <a:bodyPr wrap="none" rtlCol="0">
+            <a:spAutoFit/>
+          </a:bodyPr>
+          <a:lstStyle/>
+          <a:p>
+            <a:r>
+              <a:rPr lang="en-US" sz="6000" dirty="0"/>
+              <a:t>VACUNACIÓN</a:t>
+            </a:r>
+          </a:p>
+        </p:txBody>
+      </p:sp>
+      <p:sp>
+        <p:nvSpPr>
+          <p:cNvPr id="5" name="Title 4">
+            <a:extLst>
+              <a:ext uri="{FF2B5EF4-FFF2-40B4-BE49-F238E27FC236}">
+                <a16:creationId xmlns:a16="http://schemas.microsoft.com/office/drawing/2014/main" id="{5B465201-ED47-B64A-B505-4DDA25649C32}"/>
+              </a:ext>
+            </a:extLst>
+          </p:cNvPr>
+          <p:cNvSpPr>
+            <a:spLocks noGrp="1"/>
+          </p:cNvSpPr>
+          <p:nvPr>
+            <p:ph type="title"/>
+          </p:nvPr>
+        </p:nvSpPr>
+        <p:spPr/>
+        <p:txBody>
+          <a:bodyPr/>
+          <a:lstStyle/>
+          <a:p>
+            <a:endParaRPr lang="en-US"/>
+          </a:p>
+        </p:txBody>
+      </p:sp>
+    </p:spTree>
+    <p:extLst>
+      <p:ext uri="{BB962C8B-B14F-4D97-AF65-F5344CB8AC3E}">
+        <p14:creationId xmlns:p14="http://schemas.microsoft.com/office/powerpoint/2010/main" val="568400835"/>
+      </p:ext>
+    </p:extLst>
+  </p:cSld>
+  <p:clrMapOvr>
+    <a:masterClrMapping/>
+  </p:clrMapOvr>
+</p:sld>
+</file>
+
+<file path=ppt/slides/slide21.xml><?xml version="1.0" encoding="utf-8"?>
+<p:sld xmlns:a="http://schemas.openxmlformats.org/drawingml/2006/main" xmlns:r="http://schemas.openxmlformats.org/officeDocument/2006/relationships" xmlns:p="http://schemas.openxmlformats.org/presentationml/2006/main">
+  <p:cSld>
+    <p:spTree>
+      <p:nvGrpSpPr>
+        <p:cNvPr id="1" name=""/>
+        <p:cNvGrpSpPr/>
+        <p:nvPr/>
+      </p:nvGrpSpPr>
+      <p:grpSpPr>
+        <a:xfrm>
+          <a:off x="0" y="0"/>
+          <a:ext cx="0" cy="0"/>
+          <a:chOff x="0" y="0"/>
+          <a:chExt cx="0" cy="0"/>
+        </a:xfrm>
+      </p:grpSpPr>
+      <p:pic>
+        <p:nvPicPr>
+          <p:cNvPr id="3" name="Picture 2">
+            <a:extLst>
+              <a:ext uri="{FF2B5EF4-FFF2-40B4-BE49-F238E27FC236}">
+                <a16:creationId xmlns:a16="http://schemas.microsoft.com/office/drawing/2014/main" id="{7296AFEC-AC4A-B74C-99AD-360F21A634E1}"/>
+              </a:ext>
+            </a:extLst>
+          </p:cNvPr>
+          <p:cNvPicPr>
+            <a:picLocks noChangeAspect="1"/>
+          </p:cNvPicPr>
+          <p:nvPr/>
+        </p:nvPicPr>
+        <p:blipFill>
+          <a:blip r:embed="rId2"/>
+          <a:stretch>
+            <a:fillRect/>
+          </a:stretch>
+        </p:blipFill>
+        <p:spPr>
+          <a:xfrm>
+            <a:off x="0" y="572761"/>
+            <a:ext cx="12192000" cy="5712477"/>
+          </a:xfrm>
+          <a:prstGeom prst="rect">
+            <a:avLst/>
+          </a:prstGeom>
+        </p:spPr>
+      </p:pic>
+      <p:sp>
+        <p:nvSpPr>
+          <p:cNvPr id="9" name="TextBox 8">
+            <a:extLst>
+              <a:ext uri="{FF2B5EF4-FFF2-40B4-BE49-F238E27FC236}">
+                <a16:creationId xmlns:a16="http://schemas.microsoft.com/office/drawing/2014/main" id="{22433A70-977D-C840-9BCB-9ECF9B80CB77}"/>
+              </a:ext>
+            </a:extLst>
+          </p:cNvPr>
+          <p:cNvSpPr txBox="1"/>
+          <p:nvPr/>
+        </p:nvSpPr>
+        <p:spPr>
+          <a:xfrm>
+            <a:off x="-73478" y="0"/>
+            <a:ext cx="12338956" cy="569387"/>
+          </a:xfrm>
+          <a:prstGeom prst="rect">
+            <a:avLst/>
+          </a:prstGeom>
+          <a:noFill/>
+        </p:spPr>
+        <p:txBody>
+          <a:bodyPr wrap="square" rtlCol="0">
+            <a:spAutoFit/>
+          </a:bodyPr>
+          <a:lstStyle/>
+          <a:p>
+            <a:pPr algn="ctr"/>
+            <a:r>
+              <a:rPr lang="en-US" sz="3100" dirty="0" err="1"/>
+              <a:t>Cobertura</a:t>
+            </a:r>
+            <a:r>
+              <a:rPr lang="en-US" sz="3100" dirty="0"/>
+              <a:t> de </a:t>
+            </a:r>
+            <a:r>
+              <a:rPr lang="en-US" sz="3100" dirty="0" err="1"/>
+              <a:t>Vacunación</a:t>
+            </a:r>
+            <a:r>
+              <a:rPr lang="en-US" sz="3100" dirty="0"/>
+              <a:t> COVID-19 </a:t>
+            </a:r>
+            <a:r>
+              <a:rPr lang="en-US" sz="3100" dirty="0" err="1"/>
+              <a:t>en</a:t>
+            </a:r>
+            <a:r>
+              <a:rPr lang="en-US" sz="3100" dirty="0"/>
+              <a:t> Chile</a:t>
+            </a:r>
+          </a:p>
+        </p:txBody>
+      </p:sp>
+      <p:sp>
+        <p:nvSpPr>
+          <p:cNvPr id="5" name="TextBox 4">
+            <a:extLst>
+              <a:ext uri="{FF2B5EF4-FFF2-40B4-BE49-F238E27FC236}">
+                <a16:creationId xmlns:a16="http://schemas.microsoft.com/office/drawing/2014/main" id="{AE60033C-48B3-1E42-A180-100FEDC8D62B}"/>
+              </a:ext>
+            </a:extLst>
+          </p:cNvPr>
+          <p:cNvSpPr txBox="1"/>
+          <p:nvPr/>
+        </p:nvSpPr>
+        <p:spPr>
+          <a:xfrm>
+            <a:off x="160256" y="6447934"/>
+            <a:ext cx="5882188" cy="369332"/>
+          </a:xfrm>
+          <a:prstGeom prst="rect">
+            <a:avLst/>
+          </a:prstGeom>
+          <a:noFill/>
+        </p:spPr>
+        <p:txBody>
+          <a:bodyPr wrap="none" rtlCol="0">
+            <a:spAutoFit/>
+          </a:bodyPr>
+          <a:lstStyle/>
+          <a:p>
+            <a:r>
+              <a:rPr lang="en-US" dirty="0"/>
+              <a:t>Fuente: </a:t>
+            </a:r>
+            <a:r>
+              <a:rPr lang="en-US" dirty="0" err="1"/>
+              <a:t>Repositorio</a:t>
+            </a:r>
+            <a:r>
+              <a:rPr lang="en-US" dirty="0"/>
+              <a:t> de </a:t>
+            </a:r>
+            <a:r>
+              <a:rPr lang="en-US" dirty="0" err="1"/>
+              <a:t>Datos</a:t>
+            </a:r>
+            <a:r>
+              <a:rPr lang="en-US" dirty="0"/>
+              <a:t> COVID19, </a:t>
+            </a:r>
+            <a:r>
+              <a:rPr lang="en-US" dirty="0" err="1"/>
+              <a:t>Ministerio</a:t>
+            </a:r>
+            <a:r>
+              <a:rPr lang="en-US" dirty="0"/>
+              <a:t> de </a:t>
+            </a:r>
+            <a:r>
+              <a:rPr lang="en-US" dirty="0" err="1"/>
+              <a:t>Ciencia</a:t>
+            </a:r>
+            <a:endParaRPr lang="en-US" dirty="0"/>
+          </a:p>
+        </p:txBody>
+      </p:sp>
+      <p:sp>
+        <p:nvSpPr>
+          <p:cNvPr id="2" name="TextBox 1">
+            <a:extLst>
+              <a:ext uri="{FF2B5EF4-FFF2-40B4-BE49-F238E27FC236}">
+                <a16:creationId xmlns:a16="http://schemas.microsoft.com/office/drawing/2014/main" id="{FE913D83-78EC-F64F-98C6-1C151ADBA8A9}"/>
+              </a:ext>
+            </a:extLst>
+          </p:cNvPr>
+          <p:cNvSpPr txBox="1"/>
+          <p:nvPr/>
+        </p:nvSpPr>
+        <p:spPr>
+          <a:xfrm>
+            <a:off x="4751176" y="833401"/>
+            <a:ext cx="1968809" cy="461665"/>
+          </a:xfrm>
+          <a:prstGeom prst="rect">
+            <a:avLst/>
+          </a:prstGeom>
+          <a:noFill/>
+        </p:spPr>
+        <p:txBody>
+          <a:bodyPr wrap="none" rtlCol="0">
+            <a:spAutoFit/>
+          </a:bodyPr>
+          <a:lstStyle/>
+          <a:p>
+            <a:r>
+              <a:rPr lang="en-CL" sz="2400" dirty="0"/>
+              <a:t>18 o más años</a:t>
+            </a:r>
+          </a:p>
+        </p:txBody>
+      </p:sp>
+    </p:spTree>
+    <p:extLst>
+      <p:ext uri="{BB962C8B-B14F-4D97-AF65-F5344CB8AC3E}">
+        <p14:creationId xmlns:p14="http://schemas.microsoft.com/office/powerpoint/2010/main" val="3010253856"/>
+      </p:ext>
+    </p:extLst>
+  </p:cSld>
+  <p:clrMapOvr>
+    <a:masterClrMapping/>
+  </p:clrMapOvr>
+</p:sld>
+</file>
+
+<file path=ppt/slides/slide22.xml><?xml version="1.0" encoding="utf-8"?>
 <p:sld xmlns:a="http://schemas.openxmlformats.org/drawingml/2006/main" xmlns:r="http://schemas.openxmlformats.org/officeDocument/2006/relationships" xmlns:p="http://schemas.openxmlformats.org/presentationml/2006/main">
   <p:cSld>
     <p:spTree>
@@ -6942,7 +7385,7 @@
 </p:sld>
 </file>
 
-<file path=ppt/slides/slide21.xml><?xml version="1.0" encoding="utf-8"?>
+<file path=ppt/slides/slide23.xml><?xml version="1.0" encoding="utf-8"?>
 <p:sld xmlns:a="http://schemas.openxmlformats.org/drawingml/2006/main" xmlns:r="http://schemas.openxmlformats.org/officeDocument/2006/relationships" xmlns:p="http://schemas.openxmlformats.org/presentationml/2006/main">
   <p:cSld>
     <p:spTree>
@@ -7176,6 +7619,178 @@
       </p:grpSpPr>
       <p:sp>
         <p:nvSpPr>
+          <p:cNvPr id="6" name="TextBox 5">
+            <a:extLst>
+              <a:ext uri="{FF2B5EF4-FFF2-40B4-BE49-F238E27FC236}">
+                <a16:creationId xmlns:a16="http://schemas.microsoft.com/office/drawing/2014/main" id="{AB65407A-4582-004A-A45F-BD87B99ABAF2}"/>
+              </a:ext>
+            </a:extLst>
+          </p:cNvPr>
+          <p:cNvSpPr txBox="1"/>
+          <p:nvPr/>
+        </p:nvSpPr>
+        <p:spPr>
+          <a:xfrm>
+            <a:off x="2032611" y="214269"/>
+            <a:ext cx="8126777" cy="584775"/>
+          </a:xfrm>
+          <a:prstGeom prst="rect">
+            <a:avLst/>
+          </a:prstGeom>
+          <a:solidFill>
+            <a:schemeClr val="bg1"/>
+          </a:solidFill>
+        </p:spPr>
+        <p:txBody>
+          <a:bodyPr wrap="none" rtlCol="0">
+            <a:spAutoFit/>
+          </a:bodyPr>
+          <a:lstStyle/>
+          <a:p>
+            <a:r>
+              <a:rPr lang="en-US" sz="3200" dirty="0" err="1"/>
+              <a:t>Pacientes</a:t>
+            </a:r>
+            <a:r>
+              <a:rPr lang="en-US" sz="3200" dirty="0"/>
+              <a:t> COVID-19 </a:t>
+            </a:r>
+            <a:r>
+              <a:rPr lang="en-US" sz="3200" dirty="0" err="1"/>
+              <a:t>en</a:t>
+            </a:r>
+            <a:r>
+              <a:rPr lang="en-US" sz="3200" dirty="0"/>
+              <a:t> UCI </a:t>
+            </a:r>
+            <a:r>
+              <a:rPr lang="en-US" sz="3200" dirty="0" err="1"/>
+              <a:t>reportados</a:t>
+            </a:r>
+            <a:r>
+              <a:rPr lang="en-US" sz="3200" dirty="0"/>
+              <a:t> </a:t>
+            </a:r>
+            <a:r>
+              <a:rPr lang="en-US" sz="3200" dirty="0" err="1"/>
+              <a:t>en</a:t>
+            </a:r>
+            <a:r>
+              <a:rPr lang="en-US" sz="3200" dirty="0"/>
+              <a:t> Chile </a:t>
+            </a:r>
+          </a:p>
+        </p:txBody>
+      </p:sp>
+      <p:pic>
+        <p:nvPicPr>
+          <p:cNvPr id="3" name="Picture 2">
+            <a:extLst>
+              <a:ext uri="{FF2B5EF4-FFF2-40B4-BE49-F238E27FC236}">
+                <a16:creationId xmlns:a16="http://schemas.microsoft.com/office/drawing/2014/main" id="{4ED73617-40A5-4B47-8188-6A6048C8EE6C}"/>
+              </a:ext>
+            </a:extLst>
+          </p:cNvPr>
+          <p:cNvPicPr>
+            <a:picLocks noChangeAspect="1"/>
+          </p:cNvPicPr>
+          <p:nvPr/>
+        </p:nvPicPr>
+        <p:blipFill>
+          <a:blip r:embed="rId2"/>
+          <a:stretch>
+            <a:fillRect/>
+          </a:stretch>
+        </p:blipFill>
+        <p:spPr>
+          <a:xfrm>
+            <a:off x="2406049" y="799044"/>
+            <a:ext cx="7379899" cy="5525746"/>
+          </a:xfrm>
+          <a:prstGeom prst="rect">
+            <a:avLst/>
+          </a:prstGeom>
+        </p:spPr>
+      </p:pic>
+      <p:sp>
+        <p:nvSpPr>
+          <p:cNvPr id="2" name="TextBox 1">
+            <a:extLst>
+              <a:ext uri="{FF2B5EF4-FFF2-40B4-BE49-F238E27FC236}">
+                <a16:creationId xmlns:a16="http://schemas.microsoft.com/office/drawing/2014/main" id="{5A6B814D-5212-BC48-BAAD-218BCAF0B341}"/>
+              </a:ext>
+            </a:extLst>
+          </p:cNvPr>
+          <p:cNvSpPr txBox="1"/>
+          <p:nvPr/>
+        </p:nvSpPr>
+        <p:spPr>
+          <a:xfrm>
+            <a:off x="10492153" y="3657600"/>
+            <a:ext cx="1319592" cy="861774"/>
+          </a:xfrm>
+          <a:prstGeom prst="rect">
+            <a:avLst/>
+          </a:prstGeom>
+          <a:noFill/>
+        </p:spPr>
+        <p:txBody>
+          <a:bodyPr wrap="none" rtlCol="0">
+            <a:spAutoFit/>
+          </a:bodyPr>
+          <a:lstStyle/>
+          <a:p>
+            <a:pPr algn="ctr"/>
+            <a:r>
+              <a:rPr lang="en-CL" dirty="0"/>
+              <a:t>10 Oct 2021</a:t>
+            </a:r>
+          </a:p>
+          <a:p>
+            <a:pPr algn="ctr"/>
+            <a:r>
+              <a:rPr lang="en-CL" sz="3200" b="1" dirty="0">
+                <a:solidFill>
+                  <a:srgbClr val="FF7F0F"/>
+                </a:solidFill>
+              </a:rPr>
+              <a:t>348</a:t>
+            </a:r>
+          </a:p>
+        </p:txBody>
+      </p:sp>
+    </p:spTree>
+    <p:extLst>
+      <p:ext uri="{BB962C8B-B14F-4D97-AF65-F5344CB8AC3E}">
+        <p14:creationId xmlns:p14="http://schemas.microsoft.com/office/powerpoint/2010/main" val="300375981"/>
+      </p:ext>
+    </p:extLst>
+  </p:cSld>
+  <p:clrMapOvr>
+    <a:masterClrMapping/>
+  </p:clrMapOvr>
+</p:sld>
+</file>
+
+<file path=ppt/slides/slide5.xml><?xml version="1.0" encoding="utf-8"?>
+<p:sld xmlns:a="http://schemas.openxmlformats.org/drawingml/2006/main" xmlns:r="http://schemas.openxmlformats.org/officeDocument/2006/relationships" xmlns:p="http://schemas.openxmlformats.org/presentationml/2006/main">
+  <p:cSld>
+    <p:spTree>
+      <p:nvGrpSpPr>
+        <p:cNvPr id="1" name=""/>
+        <p:cNvGrpSpPr/>
+        <p:nvPr/>
+      </p:nvGrpSpPr>
+      <p:grpSpPr>
+        <a:xfrm>
+          <a:off x="0" y="0"/>
+          <a:ext cx="0" cy="0"/>
+          <a:chOff x="0" y="0"/>
+          <a:chExt cx="0" cy="0"/>
+        </a:xfrm>
+      </p:grpSpPr>
+      <p:sp>
+        <p:nvSpPr>
           <p:cNvPr id="4" name="TextBox 3">
             <a:extLst>
               <a:ext uri="{FF2B5EF4-FFF2-40B4-BE49-F238E27FC236}">
@@ -7247,7 +7862,7 @@
 </p:sld>
 </file>
 
-<file path=ppt/slides/slide5.xml><?xml version="1.0" encoding="utf-8"?>
+<file path=ppt/slides/slide6.xml><?xml version="1.0" encoding="utf-8"?>
 <p:sld xmlns:a="http://schemas.openxmlformats.org/drawingml/2006/main" xmlns:r="http://schemas.openxmlformats.org/officeDocument/2006/relationships" xmlns:p="http://schemas.openxmlformats.org/presentationml/2006/main">
   <p:cSld>
     <p:spTree>
@@ -7372,7 +7987,7 @@
 </p:sld>
 </file>
 
-<file path=ppt/slides/slide6.xml><?xml version="1.0" encoding="utf-8"?>
+<file path=ppt/slides/slide7.xml><?xml version="1.0" encoding="utf-8"?>
 <p:sld xmlns:a="http://schemas.openxmlformats.org/drawingml/2006/main" xmlns:r="http://schemas.openxmlformats.org/officeDocument/2006/relationships" xmlns:p="http://schemas.openxmlformats.org/presentationml/2006/main">
   <p:cSld>
     <p:spTree>
@@ -7670,96 +8285,6 @@
 </p:sld>
 </file>
 
-<file path=ppt/slides/slide7.xml><?xml version="1.0" encoding="utf-8"?>
-<p:sld xmlns:a="http://schemas.openxmlformats.org/drawingml/2006/main" xmlns:r="http://schemas.openxmlformats.org/officeDocument/2006/relationships" xmlns:p="http://schemas.openxmlformats.org/presentationml/2006/main">
-  <p:cSld>
-    <p:spTree>
-      <p:nvGrpSpPr>
-        <p:cNvPr id="1" name=""/>
-        <p:cNvGrpSpPr/>
-        <p:nvPr/>
-      </p:nvGrpSpPr>
-      <p:grpSpPr>
-        <a:xfrm>
-          <a:off x="0" y="0"/>
-          <a:ext cx="0" cy="0"/>
-          <a:chOff x="0" y="0"/>
-          <a:chExt cx="0" cy="0"/>
-        </a:xfrm>
-      </p:grpSpPr>
-      <p:sp>
-        <p:nvSpPr>
-          <p:cNvPr id="4" name="TextBox 3">
-            <a:extLst>
-              <a:ext uri="{FF2B5EF4-FFF2-40B4-BE49-F238E27FC236}">
-                <a16:creationId xmlns:a16="http://schemas.microsoft.com/office/drawing/2014/main" id="{5BCAFE7A-E299-D14E-9413-EB5C984AF441}"/>
-              </a:ext>
-            </a:extLst>
-          </p:cNvPr>
-          <p:cNvSpPr txBox="1"/>
-          <p:nvPr/>
-        </p:nvSpPr>
-        <p:spPr>
-          <a:xfrm>
-            <a:off x="3621059" y="2846895"/>
-            <a:ext cx="4949881" cy="1015663"/>
-          </a:xfrm>
-          <a:prstGeom prst="rect">
-            <a:avLst/>
-          </a:prstGeom>
-          <a:noFill/>
-        </p:spPr>
-        <p:txBody>
-          <a:bodyPr wrap="none" rtlCol="0">
-            <a:spAutoFit/>
-          </a:bodyPr>
-          <a:lstStyle/>
-          <a:p>
-            <a:r>
-              <a:rPr lang="en-US" sz="6000" dirty="0"/>
-              <a:t>CASOS &amp; TESTS</a:t>
-            </a:r>
-          </a:p>
-        </p:txBody>
-      </p:sp>
-      <p:sp>
-        <p:nvSpPr>
-          <p:cNvPr id="5" name="Title 4">
-            <a:extLst>
-              <a:ext uri="{FF2B5EF4-FFF2-40B4-BE49-F238E27FC236}">
-                <a16:creationId xmlns:a16="http://schemas.microsoft.com/office/drawing/2014/main" id="{5B465201-ED47-B64A-B505-4DDA25649C32}"/>
-              </a:ext>
-            </a:extLst>
-          </p:cNvPr>
-          <p:cNvSpPr>
-            <a:spLocks noGrp="1"/>
-          </p:cNvSpPr>
-          <p:nvPr>
-            <p:ph type="title"/>
-          </p:nvPr>
-        </p:nvSpPr>
-        <p:spPr/>
-        <p:txBody>
-          <a:bodyPr/>
-          <a:lstStyle/>
-          <a:p>
-            <a:endParaRPr lang="en-US"/>
-          </a:p>
-        </p:txBody>
-      </p:sp>
-    </p:spTree>
-    <p:extLst>
-      <p:ext uri="{BB962C8B-B14F-4D97-AF65-F5344CB8AC3E}">
-        <p14:creationId xmlns:p14="http://schemas.microsoft.com/office/powerpoint/2010/main" val="3304157546"/>
-      </p:ext>
-    </p:extLst>
-  </p:cSld>
-  <p:clrMapOvr>
-    <a:masterClrMapping/>
-  </p:clrMapOvr>
-</p:sld>
-</file>
-
 <file path=ppt/slides/slide8.xml><?xml version="1.0" encoding="utf-8"?>
 <p:sld xmlns:a="http://schemas.openxmlformats.org/drawingml/2006/main" xmlns:r="http://schemas.openxmlformats.org/officeDocument/2006/relationships" xmlns:p="http://schemas.openxmlformats.org/presentationml/2006/main">
   <p:cSld>
@@ -7777,50 +8302,12 @@
           <a:chExt cx="0" cy="0"/>
         </a:xfrm>
       </p:grpSpPr>
-      <p:sp>
-        <p:nvSpPr>
-          <p:cNvPr id="6" name="TextBox 5">
-            <a:extLst>
-              <a:ext uri="{FF2B5EF4-FFF2-40B4-BE49-F238E27FC236}">
-                <a16:creationId xmlns:a16="http://schemas.microsoft.com/office/drawing/2014/main" id="{AB65407A-4582-004A-A45F-BD87B99ABAF2}"/>
-              </a:ext>
-            </a:extLst>
-          </p:cNvPr>
-          <p:cNvSpPr txBox="1"/>
-          <p:nvPr/>
-        </p:nvSpPr>
-        <p:spPr>
-          <a:xfrm>
-            <a:off x="2627010" y="128200"/>
-            <a:ext cx="6937980" cy="584775"/>
-          </a:xfrm>
-          <a:prstGeom prst="rect">
-            <a:avLst/>
-          </a:prstGeom>
-          <a:solidFill>
-            <a:schemeClr val="bg1"/>
-          </a:solidFill>
-        </p:spPr>
-        <p:txBody>
-          <a:bodyPr wrap="square" rtlCol="0">
-            <a:spAutoFit/>
-          </a:bodyPr>
-          <a:lstStyle/>
-          <a:p>
-            <a:pPr algn="ctr"/>
-            <a:r>
-              <a:rPr lang="en-US" sz="3200" dirty="0"/>
-              <a:t>CASOS CONFIRMADOS POR SEMANA </a:t>
-            </a:r>
-          </a:p>
-        </p:txBody>
-      </p:sp>
       <p:pic>
         <p:nvPicPr>
-          <p:cNvPr id="3" name="Picture 2">
-            <a:extLst>
-              <a:ext uri="{FF2B5EF4-FFF2-40B4-BE49-F238E27FC236}">
-                <a16:creationId xmlns:a16="http://schemas.microsoft.com/office/drawing/2014/main" id="{C888F03C-8A02-A54F-99DD-209B1E6BF641}"/>
+          <p:cNvPr id="2" name="Picture 1">
+            <a:extLst>
+              <a:ext uri="{FF2B5EF4-FFF2-40B4-BE49-F238E27FC236}">
+                <a16:creationId xmlns:a16="http://schemas.microsoft.com/office/drawing/2014/main" id="{1782E375-FF75-2240-A995-2CC39DA57740}"/>
               </a:ext>
             </a:extLst>
           </p:cNvPr>
@@ -7837,18 +8324,303 @@
         </p:blipFill>
         <p:spPr>
           <a:xfrm>
-            <a:off x="2242485" y="712975"/>
-            <a:ext cx="7707029" cy="5736811"/>
+            <a:off x="2693659" y="1069767"/>
+            <a:ext cx="7068165" cy="5348155"/>
           </a:xfrm>
           <a:prstGeom prst="rect">
             <a:avLst/>
           </a:prstGeom>
         </p:spPr>
       </p:pic>
+      <p:sp>
+        <p:nvSpPr>
+          <p:cNvPr id="3" name="TextBox 2">
+            <a:extLst>
+              <a:ext uri="{FF2B5EF4-FFF2-40B4-BE49-F238E27FC236}">
+                <a16:creationId xmlns:a16="http://schemas.microsoft.com/office/drawing/2014/main" id="{A2257B24-98EA-6F4F-A0A3-0620C5A6F7E8}"/>
+              </a:ext>
+            </a:extLst>
+          </p:cNvPr>
+          <p:cNvSpPr txBox="1"/>
+          <p:nvPr/>
+        </p:nvSpPr>
+        <p:spPr>
+          <a:xfrm>
+            <a:off x="0" y="28575"/>
+            <a:ext cx="12227451" cy="954107"/>
+          </a:xfrm>
+          <a:prstGeom prst="rect">
+            <a:avLst/>
+          </a:prstGeom>
+          <a:solidFill>
+            <a:schemeClr val="bg1"/>
+          </a:solidFill>
+        </p:spPr>
+        <p:txBody>
+          <a:bodyPr wrap="none" rtlCol="0">
+            <a:spAutoFit/>
+          </a:bodyPr>
+          <a:lstStyle/>
+          <a:p>
+            <a:pPr algn="ctr"/>
+            <a:r>
+              <a:rPr lang="en-US" sz="3200" dirty="0" err="1"/>
+              <a:t>Fallecidos</a:t>
+            </a:r>
+            <a:r>
+              <a:rPr lang="en-US" sz="3200" dirty="0"/>
+              <a:t> </a:t>
+            </a:r>
+            <a:r>
+              <a:rPr lang="en-US" sz="3200" dirty="0" err="1"/>
+              <a:t>semanales</a:t>
+            </a:r>
+            <a:r>
+              <a:rPr lang="en-US" sz="3200" dirty="0"/>
+              <a:t> </a:t>
+            </a:r>
+            <a:r>
+              <a:rPr lang="en-US" sz="3200" dirty="0" err="1"/>
+              <a:t>reportados</a:t>
+            </a:r>
+            <a:r>
+              <a:rPr lang="en-US" sz="3200" dirty="0"/>
+              <a:t> </a:t>
+            </a:r>
+            <a:r>
+              <a:rPr lang="en-US" sz="3200" dirty="0" err="1"/>
+              <a:t>por</a:t>
+            </a:r>
+            <a:r>
+              <a:rPr lang="en-US" sz="3200" dirty="0"/>
+              <a:t> DEIS</a:t>
+            </a:r>
+          </a:p>
+          <a:p>
+            <a:pPr algn="ctr"/>
+            <a:r>
+              <a:rPr lang="en-US" sz="2400" b="1" dirty="0">
+                <a:solidFill>
+                  <a:srgbClr val="FF0000"/>
+                </a:solidFill>
+              </a:rPr>
+              <a:t>POR FECHA DE FALLECIMIENTO </a:t>
+            </a:r>
+            <a:r>
+              <a:rPr lang="en-US" sz="2400" dirty="0"/>
+              <a:t>con COVID19 </a:t>
+            </a:r>
+            <a:r>
+              <a:rPr lang="en-US" sz="2400" b="1" dirty="0"/>
+              <a:t>CONFIRMADO &amp; PROBABLE </a:t>
+            </a:r>
+            <a:r>
+              <a:rPr lang="en-US" sz="2400" dirty="0" err="1"/>
+              <a:t>como</a:t>
+            </a:r>
+            <a:r>
+              <a:rPr lang="en-US" sz="2400" dirty="0"/>
+              <a:t> causa de </a:t>
+            </a:r>
+            <a:r>
+              <a:rPr lang="en-US" sz="2400" dirty="0" err="1"/>
+              <a:t>muerte</a:t>
+            </a:r>
+            <a:endParaRPr lang="en-US" sz="2400" dirty="0"/>
+          </a:p>
+        </p:txBody>
+      </p:sp>
+      <p:sp>
+        <p:nvSpPr>
+          <p:cNvPr id="8" name="TextBox 7">
+            <a:extLst>
+              <a:ext uri="{FF2B5EF4-FFF2-40B4-BE49-F238E27FC236}">
+                <a16:creationId xmlns:a16="http://schemas.microsoft.com/office/drawing/2014/main" id="{AE8DFFE5-8EDE-684D-B21D-1698CF54CC86}"/>
+              </a:ext>
+            </a:extLst>
+          </p:cNvPr>
+          <p:cNvSpPr txBox="1"/>
+          <p:nvPr/>
+        </p:nvSpPr>
+        <p:spPr>
+          <a:xfrm>
+            <a:off x="97649" y="6417922"/>
+            <a:ext cx="8327023" cy="369332"/>
+          </a:xfrm>
+          <a:prstGeom prst="rect">
+            <a:avLst/>
+          </a:prstGeom>
+          <a:noFill/>
+        </p:spPr>
+        <p:txBody>
+          <a:bodyPr wrap="none" rtlCol="0">
+            <a:spAutoFit/>
+          </a:bodyPr>
+          <a:lstStyle/>
+          <a:p>
+            <a:r>
+              <a:rPr lang="en-US" dirty="0"/>
+              <a:t>Fuente: </a:t>
+            </a:r>
+            <a:r>
+              <a:rPr lang="en-US" dirty="0" err="1"/>
+              <a:t>Departamento</a:t>
+            </a:r>
+            <a:r>
+              <a:rPr lang="en-US" dirty="0"/>
+              <a:t> de </a:t>
+            </a:r>
+            <a:r>
+              <a:rPr lang="en-US" dirty="0" err="1"/>
+              <a:t>Estadística</a:t>
+            </a:r>
+            <a:r>
+              <a:rPr lang="en-US" dirty="0"/>
+              <a:t> e </a:t>
+            </a:r>
+            <a:r>
+              <a:rPr lang="en-US" dirty="0" err="1"/>
+              <a:t>Información</a:t>
+            </a:r>
+            <a:r>
+              <a:rPr lang="en-US" dirty="0"/>
+              <a:t> </a:t>
+            </a:r>
+            <a:r>
+              <a:rPr lang="en-US" dirty="0" err="1"/>
+              <a:t>en</a:t>
+            </a:r>
+            <a:r>
+              <a:rPr lang="en-US" dirty="0"/>
+              <a:t> </a:t>
+            </a:r>
+            <a:r>
+              <a:rPr lang="en-US" dirty="0" err="1"/>
+              <a:t>Salud</a:t>
+            </a:r>
+            <a:r>
+              <a:rPr lang="en-US" dirty="0"/>
+              <a:t> (DEIS), </a:t>
+            </a:r>
+            <a:r>
+              <a:rPr lang="en-US" dirty="0" err="1"/>
+              <a:t>Ministerio</a:t>
+            </a:r>
+            <a:r>
+              <a:rPr lang="en-US" dirty="0"/>
+              <a:t> de </a:t>
+            </a:r>
+            <a:r>
+              <a:rPr lang="en-US" dirty="0" err="1"/>
+              <a:t>Salud</a:t>
+            </a:r>
+            <a:endParaRPr lang="en-US" dirty="0"/>
+          </a:p>
+        </p:txBody>
+      </p:sp>
+      <p:sp>
+        <p:nvSpPr>
+          <p:cNvPr id="9" name="Oval 8">
+            <a:extLst>
+              <a:ext uri="{FF2B5EF4-FFF2-40B4-BE49-F238E27FC236}">
+                <a16:creationId xmlns:a16="http://schemas.microsoft.com/office/drawing/2014/main" id="{2057CB5C-4DED-BB45-951D-A20C906BF230}"/>
+              </a:ext>
+            </a:extLst>
+          </p:cNvPr>
+          <p:cNvSpPr/>
+          <p:nvPr/>
+        </p:nvSpPr>
+        <p:spPr>
+          <a:xfrm rot="2095377">
+            <a:off x="6566831" y="2957489"/>
+            <a:ext cx="1917981" cy="1185884"/>
+          </a:xfrm>
+          <a:prstGeom prst="ellipse">
+            <a:avLst/>
+          </a:prstGeom>
+          <a:noFill/>
+          <a:ln w="38100">
+            <a:solidFill>
+              <a:srgbClr val="FF0000"/>
+            </a:solidFill>
+          </a:ln>
+        </p:spPr>
+        <p:style>
+          <a:lnRef idx="2">
+            <a:schemeClr val="accent1">
+              <a:shade val="50000"/>
+            </a:schemeClr>
+          </a:lnRef>
+          <a:fillRef idx="1">
+            <a:schemeClr val="accent1"/>
+          </a:fillRef>
+          <a:effectRef idx="0">
+            <a:schemeClr val="accent1"/>
+          </a:effectRef>
+          <a:fontRef idx="minor">
+            <a:schemeClr val="lt1"/>
+          </a:fontRef>
+        </p:style>
+        <p:txBody>
+          <a:bodyPr rtlCol="0" anchor="ctr"/>
+          <a:lstStyle/>
+          <a:p>
+            <a:pPr algn="ctr"/>
+            <a:endParaRPr lang="en-US"/>
+          </a:p>
+        </p:txBody>
+      </p:sp>
+      <p:sp>
+        <p:nvSpPr>
+          <p:cNvPr id="10" name="TextBox 9">
+            <a:extLst>
+              <a:ext uri="{FF2B5EF4-FFF2-40B4-BE49-F238E27FC236}">
+                <a16:creationId xmlns:a16="http://schemas.microsoft.com/office/drawing/2014/main" id="{99AC423A-5630-724E-B905-114AA8410777}"/>
+              </a:ext>
+            </a:extLst>
+          </p:cNvPr>
+          <p:cNvSpPr txBox="1"/>
+          <p:nvPr/>
+        </p:nvSpPr>
+        <p:spPr>
+          <a:xfrm>
+            <a:off x="10484138" y="3657600"/>
+            <a:ext cx="1335622" cy="861774"/>
+          </a:xfrm>
+          <a:prstGeom prst="rect">
+            <a:avLst/>
+          </a:prstGeom>
+          <a:noFill/>
+        </p:spPr>
+        <p:txBody>
+          <a:bodyPr wrap="none" rtlCol="0">
+            <a:spAutoFit/>
+          </a:bodyPr>
+          <a:lstStyle/>
+          <a:p>
+            <a:pPr algn="ctr"/>
+            <a:r>
+              <a:rPr lang="en-CL" dirty="0"/>
+              <a:t>28 Sep 2021</a:t>
+            </a:r>
+          </a:p>
+          <a:p>
+            <a:pPr algn="ctr"/>
+            <a:r>
+              <a:rPr lang="en-CL" sz="3200" b="1" dirty="0">
+                <a:solidFill>
+                  <a:srgbClr val="FF7F0F"/>
+                </a:solidFill>
+              </a:rPr>
+              <a:t>61</a:t>
+            </a:r>
+          </a:p>
+        </p:txBody>
+      </p:sp>
     </p:spTree>
     <p:extLst>
       <p:ext uri="{BB962C8B-B14F-4D97-AF65-F5344CB8AC3E}">
-        <p14:creationId xmlns:p14="http://schemas.microsoft.com/office/powerpoint/2010/main" val="2803636919"/>
+        <p14:creationId xmlns:p14="http://schemas.microsoft.com/office/powerpoint/2010/main" val="3461469203"/>
       </p:ext>
     </p:extLst>
   </p:cSld>
@@ -7877,10 +8649,10 @@
       </p:grpSpPr>
       <p:sp>
         <p:nvSpPr>
-          <p:cNvPr id="6" name="TextBox 5">
-            <a:extLst>
-              <a:ext uri="{FF2B5EF4-FFF2-40B4-BE49-F238E27FC236}">
-                <a16:creationId xmlns:a16="http://schemas.microsoft.com/office/drawing/2014/main" id="{AB65407A-4582-004A-A45F-BD87B99ABAF2}"/>
+          <p:cNvPr id="4" name="TextBox 3">
+            <a:extLst>
+              <a:ext uri="{FF2B5EF4-FFF2-40B4-BE49-F238E27FC236}">
+                <a16:creationId xmlns:a16="http://schemas.microsoft.com/office/drawing/2014/main" id="{5BCAFE7A-E299-D14E-9413-EB5C984AF441}"/>
               </a:ext>
             </a:extLst>
           </p:cNvPr>
@@ -7889,64 +8661,56 @@
         </p:nvSpPr>
         <p:spPr>
           <a:xfrm>
-            <a:off x="2627010" y="128200"/>
-            <a:ext cx="6937980" cy="584775"/>
+            <a:off x="3621059" y="2846895"/>
+            <a:ext cx="4949881" cy="1015663"/>
           </a:xfrm>
           <a:prstGeom prst="rect">
             <a:avLst/>
           </a:prstGeom>
-          <a:solidFill>
-            <a:schemeClr val="bg1"/>
-          </a:solidFill>
+          <a:noFill/>
         </p:spPr>
         <p:txBody>
-          <a:bodyPr wrap="square" rtlCol="0">
+          <a:bodyPr wrap="none" rtlCol="0">
             <a:spAutoFit/>
           </a:bodyPr>
           <a:lstStyle/>
           <a:p>
-            <a:pPr algn="ctr"/>
-            <a:r>
-              <a:rPr lang="en-US" sz="3200" dirty="0"/>
-              <a:t>CASOS CONFIRMADOS POR SEMANA </a:t>
-            </a:r>
-          </a:p>
-        </p:txBody>
-      </p:sp>
-      <p:pic>
-        <p:nvPicPr>
-          <p:cNvPr id="2" name="Picture 1">
-            <a:extLst>
-              <a:ext uri="{FF2B5EF4-FFF2-40B4-BE49-F238E27FC236}">
-                <a16:creationId xmlns:a16="http://schemas.microsoft.com/office/drawing/2014/main" id="{A79D22C7-6238-6E46-ACAF-5334DBA52066}"/>
-              </a:ext>
-            </a:extLst>
-          </p:cNvPr>
-          <p:cNvPicPr>
-            <a:picLocks noChangeAspect="1"/>
-          </p:cNvPicPr>
-          <p:nvPr/>
-        </p:nvPicPr>
-        <p:blipFill>
-          <a:blip r:embed="rId3"/>
-          <a:stretch>
-            <a:fillRect/>
-          </a:stretch>
-        </p:blipFill>
-        <p:spPr>
-          <a:xfrm>
-            <a:off x="2188029" y="712975"/>
-            <a:ext cx="7772400" cy="5688288"/>
-          </a:xfrm>
-          <a:prstGeom prst="rect">
-            <a:avLst/>
-          </a:prstGeom>
-        </p:spPr>
-      </p:pic>
+            <a:r>
+              <a:rPr lang="en-US" sz="6000" dirty="0"/>
+              <a:t>CASOS &amp; TESTS</a:t>
+            </a:r>
+          </a:p>
+        </p:txBody>
+      </p:sp>
+      <p:sp>
+        <p:nvSpPr>
+          <p:cNvPr id="5" name="Title 4">
+            <a:extLst>
+              <a:ext uri="{FF2B5EF4-FFF2-40B4-BE49-F238E27FC236}">
+                <a16:creationId xmlns:a16="http://schemas.microsoft.com/office/drawing/2014/main" id="{5B465201-ED47-B64A-B505-4DDA25649C32}"/>
+              </a:ext>
+            </a:extLst>
+          </p:cNvPr>
+          <p:cNvSpPr>
+            <a:spLocks noGrp="1"/>
+          </p:cNvSpPr>
+          <p:nvPr>
+            <p:ph type="title"/>
+          </p:nvPr>
+        </p:nvSpPr>
+        <p:spPr/>
+        <p:txBody>
+          <a:bodyPr/>
+          <a:lstStyle/>
+          <a:p>
+            <a:endParaRPr lang="en-US"/>
+          </a:p>
+        </p:txBody>
+      </p:sp>
     </p:spTree>
     <p:extLst>
       <p:ext uri="{BB962C8B-B14F-4D97-AF65-F5344CB8AC3E}">
-        <p14:creationId xmlns:p14="http://schemas.microsoft.com/office/powerpoint/2010/main" val="3359114157"/>
+        <p14:creationId xmlns:p14="http://schemas.microsoft.com/office/powerpoint/2010/main" val="3304157546"/>
       </p:ext>
     </p:extLst>
   </p:cSld>

--- a/DATOS COVID Chile 2022 04 09.pptx
+++ b/DATOS COVID Chile 2022 04 09.pptx
@@ -6660,7 +6660,7 @@
                   <a:schemeClr val="accent1"/>
                 </a:solidFill>
               </a:rPr>
-              <a:t> de Oct 2021</a:t>
+              <a:t> de Sep 2021</a:t>
             </a:r>
           </a:p>
           <a:p>
